--- a/PPT/chapter1.pptx
+++ b/PPT/chapter1.pptx
@@ -2,7 +2,7 @@
 <file path=ppt/presentation.xml><?xml version="1.0" encoding="utf-8"?>
 <p:presentation xmlns:a="http://schemas.openxmlformats.org/drawingml/2006/main" xmlns:r="http://schemas.openxmlformats.org/officeDocument/2006/relationships" xmlns:p="http://schemas.openxmlformats.org/presentationml/2006/main" saveSubsetFonts="1">
   <p:sldMasterIdLst>
-    <p:sldMasterId id="2147483648" r:id="rId1"/>
+    <p:sldMasterId id="2147483689" r:id="rId1"/>
   </p:sldMasterIdLst>
   <p:notesMasterIdLst>
     <p:notesMasterId r:id="rId36"/>
@@ -11,7 +11,7 @@
     <p:handoutMasterId r:id="rId37"/>
   </p:handoutMasterIdLst>
   <p:sldIdLst>
-    <p:sldId id="260" r:id="rId2"/>
+    <p:sldId id="377" r:id="rId2"/>
     <p:sldId id="366" r:id="rId3"/>
     <p:sldId id="257" r:id="rId4"/>
     <p:sldId id="258" r:id="rId5"/>
@@ -1431,14 +1431,14 @@
           <pc:chgData name="Scruel Tao" userId="5ea5c98d59b44d4b" providerId="LiveId" clId="{2BA6F94F-59B6-4AA6-9DB6-4A8227DBE37E}" dt="2023-04-03T03:34:53.033" v="335" actId="1076"/>
           <pc:sldLayoutMkLst>
             <pc:docMk/>
-            <pc:sldMasterMk cId="1766057859" sldId="2147483648"/>
+            <pc:sldMasterMk cId="1465759839" sldId="2147483661"/>
             <pc:sldLayoutMk cId="1337634028" sldId="2147483660"/>
           </pc:sldLayoutMkLst>
           <pc:spChg chg="del mod">
             <ac:chgData name="Scruel Tao" userId="5ea5c98d59b44d4b" providerId="LiveId" clId="{2BA6F94F-59B6-4AA6-9DB6-4A8227DBE37E}" dt="2023-04-03T03:27:47.594" v="278" actId="478"/>
             <ac:spMkLst>
               <pc:docMk/>
-              <pc:sldMasterMk cId="1766057859" sldId="2147483648"/>
+              <pc:sldMasterMk cId="1465759839" sldId="2147483661"/>
               <pc:sldLayoutMk cId="1337634028" sldId="2147483660"/>
               <ac:spMk id="19468" creationId="{418CE5A5-515B-CEAB-D160-CBAFEBF4837F}"/>
             </ac:spMkLst>
@@ -1447,7 +1447,7 @@
             <ac:chgData name="Scruel Tao" userId="5ea5c98d59b44d4b" providerId="LiveId" clId="{2BA6F94F-59B6-4AA6-9DB6-4A8227DBE37E}" dt="2023-04-03T03:26:11.336" v="269" actId="21"/>
             <ac:picMkLst>
               <pc:docMk/>
-              <pc:sldMasterMk cId="1766057859" sldId="2147483648"/>
+              <pc:sldMasterMk cId="1465759839" sldId="2147483661"/>
               <pc:sldLayoutMk cId="1337634028" sldId="2147483660"/>
               <ac:picMk id="19481" creationId="{02568321-E4E6-1B3D-8017-A3451A7203B9}"/>
             </ac:picMkLst>
@@ -1456,7 +1456,7 @@
             <ac:chgData name="Scruel Tao" userId="5ea5c98d59b44d4b" providerId="LiveId" clId="{2BA6F94F-59B6-4AA6-9DB6-4A8227DBE37E}" dt="2023-04-03T03:34:53.033" v="335" actId="1076"/>
             <ac:picMkLst>
               <pc:docMk/>
-              <pc:sldMasterMk cId="1766057859" sldId="2147483648"/>
+              <pc:sldMasterMk cId="1465759839" sldId="2147483661"/>
               <pc:sldLayoutMk cId="1337634028" sldId="2147483660"/>
               <ac:picMk id="19482" creationId="{8F2B9C9A-7CA4-5723-784E-DBADCF09186B}"/>
             </ac:picMkLst>
@@ -4949,14 +4949,14 @@
           <pc:chgData name="Scruel Tao" userId="5ea5c98d59b44d4b" providerId="LiveId" clId="{42F73B06-DA81-4C67-8473-07E158E9C79B}" dt="2023-05-16T03:57:15.956" v="6717" actId="478"/>
           <pc:sldLayoutMkLst>
             <pc:docMk/>
-            <pc:sldMasterMk cId="1766057859" sldId="2147483648"/>
+            <pc:sldMasterMk cId="1465759839" sldId="2147483661"/>
             <pc:sldLayoutMk cId="1337634028" sldId="2147483660"/>
           </pc:sldLayoutMkLst>
           <pc:spChg chg="del">
             <ac:chgData name="Scruel Tao" userId="5ea5c98d59b44d4b" providerId="LiveId" clId="{42F73B06-DA81-4C67-8473-07E158E9C79B}" dt="2023-05-16T03:57:15.956" v="6717" actId="478"/>
             <ac:spMkLst>
               <pc:docMk/>
-              <pc:sldMasterMk cId="1766057859" sldId="2147483648"/>
+              <pc:sldMasterMk cId="1465759839" sldId="2147483661"/>
               <pc:sldLayoutMk cId="1337634028" sldId="2147483660"/>
               <ac:spMk id="19472" creationId="{BD0BF484-93B1-9A87-952A-7D5E9B29C38D}"/>
             </ac:spMkLst>
@@ -4965,7 +4965,7 @@
             <ac:chgData name="Scruel Tao" userId="5ea5c98d59b44d4b" providerId="LiveId" clId="{42F73B06-DA81-4C67-8473-07E158E9C79B}" dt="2023-04-25T02:47:33.665" v="42" actId="21"/>
             <ac:picMkLst>
               <pc:docMk/>
-              <pc:sldMasterMk cId="1766057859" sldId="2147483648"/>
+              <pc:sldMasterMk cId="1465759839" sldId="2147483661"/>
               <pc:sldLayoutMk cId="1337634028" sldId="2147483660"/>
               <ac:picMk id="19482" creationId="{8F2B9C9A-7CA4-5723-784E-DBADCF09186B}"/>
             </ac:picMkLst>
@@ -5071,7 +5071,7 @@
           <a:p>
             <a:fld id="{AC7E1972-C479-4420-A687-8FB83BA90DEB}" type="datetimeFigureOut">
               <a:rPr lang="zh-CN" altLang="en-US" smtClean="0"/>
-              <a:t>2025/3/2 Sun</a:t>
+              <a:t>2025/6/6 Fri</a:t>
             </a:fld>
             <a:endParaRPr lang="zh-CN" altLang="en-US"/>
           </a:p>
@@ -5248,7 +5248,7 @@
           <a:p>
             <a:fld id="{89B7AB8D-BCC0-43C6-B24C-055A25DB558F}" type="datetimeFigureOut">
               <a:rPr lang="zh-CN" altLang="en-US" smtClean="0"/>
-              <a:t>2025/3/2 Sun</a:t>
+              <a:t>2025/6/6 Fri</a:t>
             </a:fld>
             <a:endParaRPr lang="zh-CN" altLang="en-US"/>
           </a:p>
@@ -5572,31 +5572,6 @@
           </a:p>
         </p:txBody>
       </p:sp>
-      <p:sp>
-        <p:nvSpPr>
-          <p:cNvPr id="3" name="备注占位符 2">
-            <a:extLst>
-              <a:ext uri="{FF2B5EF4-FFF2-40B4-BE49-F238E27FC236}">
-                <a16:creationId xmlns:a16="http://schemas.microsoft.com/office/drawing/2014/main" id="{8190718F-4E80-C1E2-35ED-05E386F3CF4C}"/>
-              </a:ext>
-            </a:extLst>
-          </p:cNvPr>
-          <p:cNvSpPr>
-            <a:spLocks noGrp="1"/>
-          </p:cNvSpPr>
-          <p:nvPr>
-            <p:ph type="body" idx="1"/>
-          </p:nvPr>
-        </p:nvSpPr>
-        <p:spPr/>
-        <p:txBody>
-          <a:bodyPr/>
-          <a:lstStyle/>
-          <a:p>
-            <a:endParaRPr lang="zh-CN" altLang="en-US" dirty="0"/>
-          </a:p>
-        </p:txBody>
-      </p:sp>
     </p:spTree>
   </p:cSld>
   <p:clrMapOvr>
@@ -5649,19 +5624,30 @@
           <a:bodyPr/>
           <a:lstStyle/>
           <a:p>
-            <a:r>
-              <a:rPr lang="zh-CN" altLang="en-US" b="0" dirty="0"/>
-              <a:t>安装相关插件时，请务必认准 </a:t>
-            </a:r>
-            <a:r>
-              <a:rPr lang="en-US" altLang="zh-CN" b="0" dirty="0"/>
-              <a:t>Microsoft </a:t>
-            </a:r>
-            <a:r>
-              <a:rPr lang="zh-CN" altLang="en-US" b="0" dirty="0"/>
-              <a:t>（微软）的字样和认证标记</a:t>
-            </a:r>
-            <a:endParaRPr lang="en-US" altLang="zh-CN" b="0" dirty="0"/>
+            <a:pPr marL="0" marR="0" lvl="0" indent="0" algn="l" defTabSz="914400" rtl="0" eaLnBrk="1" fontAlgn="auto" latinLnBrk="0" hangingPunct="1">
+              <a:lnSpc>
+                <a:spcPct val="100000"/>
+              </a:lnSpc>
+              <a:spcBef>
+                <a:spcPts val="0"/>
+              </a:spcBef>
+              <a:spcAft>
+                <a:spcPts val="0"/>
+              </a:spcAft>
+              <a:buClrTx/>
+              <a:buSzTx/>
+              <a:buFontTx/>
+              <a:buNone/>
+              <a:tabLst/>
+              <a:defRPr/>
+            </a:pPr>
+            <a:r>
+              <a:rPr lang="zh-CN" altLang="en-US" dirty="0"/>
+              <a:t>汉化操作是个可选项，我们很少会涉及到生僻单词的使用，所以如果你想顺便熟悉一下英文，那就不用配置汉化了，后文在备注中会尽量附上英文原文。</a:t>
+            </a:r>
+          </a:p>
+          <a:p>
+            <a:endParaRPr lang="zh-CN" altLang="en-US" dirty="0"/>
           </a:p>
         </p:txBody>
       </p:sp>
@@ -5682,7 +5668,7 @@
           <a:p>
             <a:fld id="{9901CBA2-7C9E-4AD6-B258-A0DB055BB3AF}" type="slidenum">
               <a:rPr lang="zh-CN" altLang="en-US" smtClean="0"/>
-              <a:t>14</a:t>
+              <a:t>13</a:t>
             </a:fld>
             <a:endParaRPr lang="zh-CN" altLang="en-US"/>
           </a:p>
@@ -5691,7 +5677,7 @@
     </p:spTree>
     <p:extLst>
       <p:ext uri="{BB962C8B-B14F-4D97-AF65-F5344CB8AC3E}">
-        <p14:creationId xmlns:p14="http://schemas.microsoft.com/office/powerpoint/2010/main" val="303646085"/>
+        <p14:creationId xmlns:p14="http://schemas.microsoft.com/office/powerpoint/2010/main" val="2035152831"/>
       </p:ext>
     </p:extLst>
   </p:cSld>
@@ -5746,9 +5732,18 @@
           <a:lstStyle/>
           <a:p>
             <a:r>
-              <a:rPr lang="zh-CN" altLang="en-US" dirty="0"/>
-              <a:t>如果有提示错误，请重试之前的步骤，实在不行可以搜索错误的内容，一般网络上都已有解决方案了。</a:t>
-            </a:r>
+              <a:rPr lang="zh-CN" altLang="en-US" b="0" dirty="0"/>
+              <a:t>安装相关插件时，请务必认准 </a:t>
+            </a:r>
+            <a:r>
+              <a:rPr lang="en-US" altLang="zh-CN" b="0" dirty="0"/>
+              <a:t>Microsoft </a:t>
+            </a:r>
+            <a:r>
+              <a:rPr lang="zh-CN" altLang="en-US" b="0" dirty="0"/>
+              <a:t>（微软）的字样和认证标记</a:t>
+            </a:r>
+            <a:endParaRPr lang="en-US" altLang="zh-CN" b="0" dirty="0"/>
           </a:p>
         </p:txBody>
       </p:sp>
@@ -5769,7 +5764,7 @@
           <a:p>
             <a:fld id="{9901CBA2-7C9E-4AD6-B258-A0DB055BB3AF}" type="slidenum">
               <a:rPr lang="zh-CN" altLang="en-US" smtClean="0"/>
-              <a:t>15</a:t>
+              <a:t>14</a:t>
             </a:fld>
             <a:endParaRPr lang="zh-CN" altLang="en-US"/>
           </a:p>
@@ -5778,7 +5773,7 @@
     </p:spTree>
     <p:extLst>
       <p:ext uri="{BB962C8B-B14F-4D97-AF65-F5344CB8AC3E}">
-        <p14:creationId xmlns:p14="http://schemas.microsoft.com/office/powerpoint/2010/main" val="1395686011"/>
+        <p14:creationId xmlns:p14="http://schemas.microsoft.com/office/powerpoint/2010/main" val="303646085"/>
       </p:ext>
     </p:extLst>
   </p:cSld>
@@ -5832,7 +5827,10 @@
           <a:bodyPr/>
           <a:lstStyle/>
           <a:p>
-            <a:endParaRPr lang="zh-CN" altLang="en-US" dirty="0"/>
+            <a:r>
+              <a:rPr lang="zh-CN" altLang="en-US" dirty="0"/>
+              <a:t>如果有提示错误，请重试之前的步骤，实在不行可以搜索错误的内容，一般网络上都已有解决方案了。</a:t>
+            </a:r>
           </a:p>
         </p:txBody>
       </p:sp>
@@ -5853,7 +5851,7 @@
           <a:p>
             <a:fld id="{9901CBA2-7C9E-4AD6-B258-A0DB055BB3AF}" type="slidenum">
               <a:rPr lang="zh-CN" altLang="en-US" smtClean="0"/>
-              <a:t>16</a:t>
+              <a:t>15</a:t>
             </a:fld>
             <a:endParaRPr lang="zh-CN" altLang="en-US"/>
           </a:p>
@@ -5862,7 +5860,7 @@
     </p:spTree>
     <p:extLst>
       <p:ext uri="{BB962C8B-B14F-4D97-AF65-F5344CB8AC3E}">
-        <p14:creationId xmlns:p14="http://schemas.microsoft.com/office/powerpoint/2010/main" val="1256729343"/>
+        <p14:creationId xmlns:p14="http://schemas.microsoft.com/office/powerpoint/2010/main" val="1395686011"/>
       </p:ext>
     </p:extLst>
   </p:cSld>
@@ -5937,7 +5935,7 @@
           <a:p>
             <a:fld id="{9901CBA2-7C9E-4AD6-B258-A0DB055BB3AF}" type="slidenum">
               <a:rPr lang="zh-CN" altLang="en-US" smtClean="0"/>
-              <a:t>17</a:t>
+              <a:t>16</a:t>
             </a:fld>
             <a:endParaRPr lang="zh-CN" altLang="en-US"/>
           </a:p>
@@ -5946,7 +5944,7 @@
     </p:spTree>
     <p:extLst>
       <p:ext uri="{BB962C8B-B14F-4D97-AF65-F5344CB8AC3E}">
-        <p14:creationId xmlns:p14="http://schemas.microsoft.com/office/powerpoint/2010/main" val="781603725"/>
+        <p14:creationId xmlns:p14="http://schemas.microsoft.com/office/powerpoint/2010/main" val="1256729343"/>
       </p:ext>
     </p:extLst>
   </p:cSld>
@@ -6000,36 +5998,6 @@
           <a:bodyPr/>
           <a:lstStyle/>
           <a:p>
-            <a:r>
-              <a:rPr lang="en-US" altLang="zh-CN" dirty="0"/>
-              <a:t>When you want to start learning the base before you start coding:</a:t>
-            </a:r>
-            <a:endParaRPr lang="en-US" altLang="zh-CN" sz="1200" b="1" dirty="0">
-              <a:solidFill>
-                <a:schemeClr val="accent1">
-                  <a:lumMod val="75000"/>
-                </a:schemeClr>
-              </a:solidFill>
-              <a:latin typeface="微软雅黑" panose="020B0503020204020204" pitchFamily="34" charset="-122"/>
-              <a:ea typeface="微软雅黑" panose="020B0503020204020204" pitchFamily="34" charset="-122"/>
-            </a:endParaRPr>
-          </a:p>
-          <a:p>
-            <a:r>
-              <a:rPr lang="en-US" altLang="zh-CN" dirty="0">
-                <a:hlinkClick r:id="rId3"/>
-              </a:rPr>
-              <a:t>https://reddit.com/r/programmerhumor/comments/140nw42</a:t>
-            </a:r>
-            <a:endParaRPr lang="en-US" altLang="zh-CN" dirty="0"/>
-          </a:p>
-          <a:p>
-            <a:r>
-              <a:rPr lang="en-US" altLang="zh-CN" dirty="0"/>
-              <a:t>https://www.youtube.com/watch?v=5QZcOugHQ6s</a:t>
-            </a:r>
-          </a:p>
-          <a:p>
             <a:endParaRPr lang="zh-CN" altLang="en-US" dirty="0"/>
           </a:p>
         </p:txBody>
@@ -6051,7 +6019,7 @@
           <a:p>
             <a:fld id="{9901CBA2-7C9E-4AD6-B258-A0DB055BB3AF}" type="slidenum">
               <a:rPr lang="zh-CN" altLang="en-US" smtClean="0"/>
-              <a:t>18</a:t>
+              <a:t>17</a:t>
             </a:fld>
             <a:endParaRPr lang="zh-CN" altLang="en-US"/>
           </a:p>
@@ -6060,7 +6028,7 @@
     </p:spTree>
     <p:extLst>
       <p:ext uri="{BB962C8B-B14F-4D97-AF65-F5344CB8AC3E}">
-        <p14:creationId xmlns:p14="http://schemas.microsoft.com/office/powerpoint/2010/main" val="3860544156"/>
+        <p14:creationId xmlns:p14="http://schemas.microsoft.com/office/powerpoint/2010/main" val="781603725"/>
       </p:ext>
     </p:extLst>
   </p:cSld>
@@ -6115,25 +6083,35 @@
           <a:lstStyle/>
           <a:p>
             <a:r>
-              <a:rPr lang="zh-CN" altLang="en-US" b="1" u="sng" dirty="0"/>
-              <a:t>文件 </a:t>
-            </a:r>
-            <a:r>
-              <a:rPr lang="en-US" altLang="zh-CN" b="1" u="sng" dirty="0"/>
-              <a:t>-&gt; </a:t>
-            </a:r>
-            <a:r>
-              <a:rPr lang="zh-CN" altLang="en-US" b="1" u="sng" dirty="0"/>
-              <a:t>打开文件夹</a:t>
-            </a:r>
-            <a:r>
-              <a:rPr lang="zh-CN" altLang="en-US" b="1" u="none" dirty="0"/>
-              <a:t>：</a:t>
-            </a:r>
-            <a:r>
               <a:rPr lang="en-US" altLang="zh-CN" dirty="0"/>
-              <a:t>File -&gt; Open Folder</a:t>
-            </a:r>
+              <a:t>When you want to start learning the base before you start coding:</a:t>
+            </a:r>
+            <a:endParaRPr lang="en-US" altLang="zh-CN" sz="1200" b="1" dirty="0">
+              <a:solidFill>
+                <a:schemeClr val="accent1">
+                  <a:lumMod val="75000"/>
+                </a:schemeClr>
+              </a:solidFill>
+              <a:latin typeface="微软雅黑" panose="020B0503020204020204" pitchFamily="34" charset="-122"/>
+              <a:ea typeface="微软雅黑" panose="020B0503020204020204" pitchFamily="34" charset="-122"/>
+            </a:endParaRPr>
+          </a:p>
+          <a:p>
+            <a:r>
+              <a:rPr lang="en-US" altLang="zh-CN" dirty="0">
+                <a:hlinkClick r:id="rId3"/>
+              </a:rPr>
+              <a:t>https://reddit.com/r/programmerhumor/comments/140nw42</a:t>
+            </a:r>
+            <a:endParaRPr lang="en-US" altLang="zh-CN" dirty="0"/>
+          </a:p>
+          <a:p>
+            <a:r>
+              <a:rPr lang="en-US" altLang="zh-CN" dirty="0"/>
+              <a:t>https://www.youtube.com/watch?v=5QZcOugHQ6s</a:t>
+            </a:r>
+          </a:p>
+          <a:p>
             <a:endParaRPr lang="zh-CN" altLang="en-US" dirty="0"/>
           </a:p>
         </p:txBody>
@@ -6155,7 +6133,7 @@
           <a:p>
             <a:fld id="{9901CBA2-7C9E-4AD6-B258-A0DB055BB3AF}" type="slidenum">
               <a:rPr lang="zh-CN" altLang="en-US" smtClean="0"/>
-              <a:t>19</a:t>
+              <a:t>18</a:t>
             </a:fld>
             <a:endParaRPr lang="zh-CN" altLang="en-US"/>
           </a:p>
@@ -6164,7 +6142,7 @@
     </p:spTree>
     <p:extLst>
       <p:ext uri="{BB962C8B-B14F-4D97-AF65-F5344CB8AC3E}">
-        <p14:creationId xmlns:p14="http://schemas.microsoft.com/office/powerpoint/2010/main" val="1228176123"/>
+        <p14:creationId xmlns:p14="http://schemas.microsoft.com/office/powerpoint/2010/main" val="3860544156"/>
       </p:ext>
     </p:extLst>
   </p:cSld>
@@ -6220,22 +6198,25 @@
           <a:p>
             <a:r>
               <a:rPr lang="zh-CN" altLang="en-US" b="1" u="sng" dirty="0"/>
-              <a:t>新建文件</a:t>
-            </a:r>
-            <a:r>
-              <a:rPr lang="zh-CN" altLang="en-US" dirty="0"/>
+              <a:t>文件 </a:t>
+            </a:r>
+            <a:r>
+              <a:rPr lang="en-US" altLang="zh-CN" b="1" u="sng" dirty="0"/>
+              <a:t>-&gt; </a:t>
+            </a:r>
+            <a:r>
+              <a:rPr lang="zh-CN" altLang="en-US" b="1" u="sng" dirty="0"/>
+              <a:t>打开文件夹</a:t>
+            </a:r>
+            <a:r>
+              <a:rPr lang="zh-CN" altLang="en-US" b="1" u="none" dirty="0"/>
               <a:t>：</a:t>
             </a:r>
             <a:r>
               <a:rPr lang="en-US" altLang="zh-CN" dirty="0"/>
-              <a:t>New File</a:t>
-            </a:r>
-          </a:p>
-          <a:p>
-            <a:r>
-              <a:rPr lang="zh-CN" altLang="en-US" dirty="0"/>
-              <a:t>新建文件等操作的操作方式不止一种，可在熟悉后选择自己觉得方便的操作方式</a:t>
-            </a:r>
+              <a:t>File -&gt; Open Folder</a:t>
+            </a:r>
+            <a:endParaRPr lang="zh-CN" altLang="en-US" dirty="0"/>
           </a:p>
         </p:txBody>
       </p:sp>
@@ -6256,7 +6237,7 @@
           <a:p>
             <a:fld id="{9901CBA2-7C9E-4AD6-B258-A0DB055BB3AF}" type="slidenum">
               <a:rPr lang="zh-CN" altLang="en-US" smtClean="0"/>
-              <a:t>21</a:t>
+              <a:t>19</a:t>
             </a:fld>
             <a:endParaRPr lang="zh-CN" altLang="en-US"/>
           </a:p>
@@ -6265,7 +6246,7 @@
     </p:spTree>
     <p:extLst>
       <p:ext uri="{BB962C8B-B14F-4D97-AF65-F5344CB8AC3E}">
-        <p14:creationId xmlns:p14="http://schemas.microsoft.com/office/powerpoint/2010/main" val="835326293"/>
+        <p14:creationId xmlns:p14="http://schemas.microsoft.com/office/powerpoint/2010/main" val="1228176123"/>
       </p:ext>
     </p:extLst>
   </p:cSld>
@@ -6320,10 +6301,23 @@
           <a:lstStyle/>
           <a:p>
             <a:r>
+              <a:rPr lang="zh-CN" altLang="en-US" b="1" u="sng" dirty="0"/>
+              <a:t>新建文件</a:t>
+            </a:r>
+            <a:r>
               <a:rPr lang="zh-CN" altLang="en-US" dirty="0"/>
-              <a:t>注：所有符号都是英文符号，输入前请确保不要使用中文输入法，请照着输入内容，不要有任何增改。</a:t>
-            </a:r>
-            <a:endParaRPr lang="en-US" altLang="zh-CN" dirty="0"/>
+              <a:t>：</a:t>
+            </a:r>
+            <a:r>
+              <a:rPr lang="en-US" altLang="zh-CN" dirty="0"/>
+              <a:t>New File</a:t>
+            </a:r>
+          </a:p>
+          <a:p>
+            <a:r>
+              <a:rPr lang="zh-CN" altLang="en-US" dirty="0"/>
+              <a:t>新建文件等操作的操作方式不止一种，可在熟悉后选择自己觉得方便的操作方式</a:t>
+            </a:r>
           </a:p>
         </p:txBody>
       </p:sp>
@@ -6344,7 +6338,7 @@
           <a:p>
             <a:fld id="{9901CBA2-7C9E-4AD6-B258-A0DB055BB3AF}" type="slidenum">
               <a:rPr lang="zh-CN" altLang="en-US" smtClean="0"/>
-              <a:t>23</a:t>
+              <a:t>21</a:t>
             </a:fld>
             <a:endParaRPr lang="zh-CN" altLang="en-US"/>
           </a:p>
@@ -6353,7 +6347,7 @@
     </p:spTree>
     <p:extLst>
       <p:ext uri="{BB962C8B-B14F-4D97-AF65-F5344CB8AC3E}">
-        <p14:creationId xmlns:p14="http://schemas.microsoft.com/office/powerpoint/2010/main" val="794091751"/>
+        <p14:creationId xmlns:p14="http://schemas.microsoft.com/office/powerpoint/2010/main" val="835326293"/>
       </p:ext>
     </p:extLst>
   </p:cSld>
@@ -6407,6 +6401,10 @@
           <a:bodyPr/>
           <a:lstStyle/>
           <a:p>
+            <a:r>
+              <a:rPr lang="zh-CN" altLang="en-US" dirty="0"/>
+              <a:t>注：所有符号都是英文符号，输入前请确保不要使用中文输入法，请照着输入内容，不要有任何增改。</a:t>
+            </a:r>
             <a:endParaRPr lang="en-US" altLang="zh-CN" dirty="0"/>
           </a:p>
         </p:txBody>
@@ -6428,7 +6426,7 @@
           <a:p>
             <a:fld id="{9901CBA2-7C9E-4AD6-B258-A0DB055BB3AF}" type="slidenum">
               <a:rPr lang="zh-CN" altLang="en-US" smtClean="0"/>
-              <a:t>24</a:t>
+              <a:t>23</a:t>
             </a:fld>
             <a:endParaRPr lang="zh-CN" altLang="en-US"/>
           </a:p>
@@ -6437,7 +6435,7 @@
     </p:spTree>
     <p:extLst>
       <p:ext uri="{BB962C8B-B14F-4D97-AF65-F5344CB8AC3E}">
-        <p14:creationId xmlns:p14="http://schemas.microsoft.com/office/powerpoint/2010/main" val="1857318311"/>
+        <p14:creationId xmlns:p14="http://schemas.microsoft.com/office/powerpoint/2010/main" val="794091751"/>
       </p:ext>
     </p:extLst>
   </p:cSld>
@@ -6491,53 +6489,7 @@
           <a:bodyPr/>
           <a:lstStyle/>
           <a:p>
-            <a:r>
-              <a:rPr lang="zh-CN" altLang="en-US" dirty="0"/>
-              <a:t>编辑器中输入的内容一般都是临时的，所以强调一下：</a:t>
-            </a:r>
             <a:endParaRPr lang="en-US" altLang="zh-CN" dirty="0"/>
-          </a:p>
-          <a:p>
-            <a:r>
-              <a:rPr lang="zh-CN" altLang="en-US" dirty="0"/>
-              <a:t>一定不要忘记编辑文件后，要及时保存！</a:t>
-            </a:r>
-            <a:endParaRPr lang="en-US" altLang="zh-CN" dirty="0"/>
-          </a:p>
-          <a:p>
-            <a:r>
-              <a:rPr lang="zh-CN" altLang="en-US" dirty="0"/>
-              <a:t>一定不要忘记编辑文件后，要及时保存！</a:t>
-            </a:r>
-            <a:endParaRPr lang="en-US" altLang="zh-CN" dirty="0"/>
-          </a:p>
-          <a:p>
-            <a:r>
-              <a:rPr lang="zh-CN" altLang="en-US" dirty="0"/>
-              <a:t>一定不要忘记编辑文件后，要及时保存！</a:t>
-            </a:r>
-            <a:endParaRPr lang="en-US" altLang="zh-CN" dirty="0"/>
-          </a:p>
-          <a:p>
-            <a:endParaRPr lang="en-US" altLang="zh-CN" dirty="0"/>
-          </a:p>
-          <a:p>
-            <a:r>
-              <a:rPr lang="zh-CN" altLang="en-US" dirty="0"/>
-              <a:t>可以使用快捷键 </a:t>
-            </a:r>
-            <a:r>
-              <a:rPr lang="en-US" altLang="zh-CN" dirty="0"/>
-              <a:t>Ctrl + S </a:t>
-            </a:r>
-            <a:r>
-              <a:rPr lang="zh-CN" altLang="en-US" dirty="0"/>
-              <a:t>来快速完成保存操作，推荐大家习惯性在写任何东西的时候，都要按一下</a:t>
-            </a:r>
-            <a:r>
-              <a:rPr lang="en-US" altLang="zh-CN" dirty="0"/>
-              <a:t>~</a:t>
-            </a:r>
           </a:p>
         </p:txBody>
       </p:sp>
@@ -6558,7 +6510,7 @@
           <a:p>
             <a:fld id="{9901CBA2-7C9E-4AD6-B258-A0DB055BB3AF}" type="slidenum">
               <a:rPr lang="zh-CN" altLang="en-US" smtClean="0"/>
-              <a:t>25</a:t>
+              <a:t>24</a:t>
             </a:fld>
             <a:endParaRPr lang="zh-CN" altLang="en-US"/>
           </a:p>
@@ -6567,7 +6519,7 @@
     </p:spTree>
     <p:extLst>
       <p:ext uri="{BB962C8B-B14F-4D97-AF65-F5344CB8AC3E}">
-        <p14:creationId xmlns:p14="http://schemas.microsoft.com/office/powerpoint/2010/main" val="3383538170"/>
+        <p14:creationId xmlns:p14="http://schemas.microsoft.com/office/powerpoint/2010/main" val="1857318311"/>
       </p:ext>
     </p:extLst>
   </p:cSld>
@@ -6831,9 +6783,12 @@
             </a:r>
             <a:r>
               <a:rPr lang="zh-CN" altLang="en-US" dirty="0"/>
-              <a:t>来快速完成保存操作</a:t>
-            </a:r>
-            <a:endParaRPr lang="en-US" altLang="zh-CN" dirty="0"/>
+              <a:t>来快速完成保存操作，推荐大家习惯性在写任何东西的时候，都要按一下</a:t>
+            </a:r>
+            <a:r>
+              <a:rPr lang="en-US" altLang="zh-CN" dirty="0"/>
+              <a:t>~</a:t>
+            </a:r>
           </a:p>
         </p:txBody>
       </p:sp>
@@ -6854,7 +6809,7 @@
           <a:p>
             <a:fld id="{9901CBA2-7C9E-4AD6-B258-A0DB055BB3AF}" type="slidenum">
               <a:rPr lang="zh-CN" altLang="en-US" smtClean="0"/>
-              <a:t>26</a:t>
+              <a:t>25</a:t>
             </a:fld>
             <a:endParaRPr lang="zh-CN" altLang="en-US"/>
           </a:p>
@@ -6863,7 +6818,7 @@
     </p:spTree>
     <p:extLst>
       <p:ext uri="{BB962C8B-B14F-4D97-AF65-F5344CB8AC3E}">
-        <p14:creationId xmlns:p14="http://schemas.microsoft.com/office/powerpoint/2010/main" val="507105514"/>
+        <p14:creationId xmlns:p14="http://schemas.microsoft.com/office/powerpoint/2010/main" val="3383538170"/>
       </p:ext>
     </p:extLst>
   </p:cSld>
@@ -6919,49 +6874,48 @@
           <a:p>
             <a:r>
               <a:rPr lang="zh-CN" altLang="en-US" dirty="0"/>
-              <a:t>在打开文件后，上边的菜单栏可能会隐藏，此时只要点击左上角的“三个横”图标，就能看到被隐藏的菜单选项了</a:t>
+              <a:t>编辑器中输入的内容一般都是临时的，所以强调一下：</a:t>
             </a:r>
             <a:endParaRPr lang="en-US" altLang="zh-CN" dirty="0"/>
           </a:p>
           <a:p>
             <a:r>
               <a:rPr lang="zh-CN" altLang="en-US" dirty="0"/>
-              <a:t>在你熟悉使用以后，也可以通过快捷键的方式来运行程序，快捷键一般会显示在选项的最右侧（这里就不演示了）</a:t>
+              <a:t>一定不要忘记编辑文件后，要及时保存！</a:t>
             </a:r>
             <a:endParaRPr lang="en-US" altLang="zh-CN" dirty="0"/>
           </a:p>
           <a:p>
             <a:r>
-              <a:rPr lang="zh-CN" altLang="en-US" b="1" u="sng" dirty="0">
-                <a:latin typeface="Consolas" panose="020B0609020204030204" pitchFamily="49" charset="0"/>
-              </a:rPr>
-              <a:t>运行</a:t>
-            </a:r>
-            <a:r>
-              <a:rPr lang="en-US" altLang="zh-CN" b="1" u="sng" dirty="0">
-                <a:latin typeface="Consolas" panose="020B0609020204030204" pitchFamily="49" charset="0"/>
-              </a:rPr>
-              <a:t> -&gt; </a:t>
-            </a:r>
-            <a:r>
-              <a:rPr lang="zh-CN" altLang="en-US" b="1" u="sng" dirty="0">
-                <a:latin typeface="Consolas" panose="020B0609020204030204" pitchFamily="49" charset="0"/>
-              </a:rPr>
-              <a:t>以非调试模式运行</a:t>
-            </a:r>
-            <a:r>
-              <a:rPr lang="zh-CN" altLang="en-US" b="0" u="none" dirty="0">
-                <a:latin typeface="Consolas" panose="020B0609020204030204" pitchFamily="49" charset="0"/>
-              </a:rPr>
-              <a:t>：</a:t>
-            </a:r>
-            <a:r>
-              <a:rPr lang="en-US" altLang="zh-CN" b="0" u="none" dirty="0">
-                <a:latin typeface="Consolas" panose="020B0609020204030204" pitchFamily="49" charset="0"/>
-              </a:rPr>
-              <a:t>Run -&gt; Run Without Debugging</a:t>
-            </a:r>
-            <a:endParaRPr lang="en-US" altLang="zh-CN" b="0" u="none" dirty="0"/>
+              <a:rPr lang="zh-CN" altLang="en-US" dirty="0"/>
+              <a:t>一定不要忘记编辑文件后，要及时保存！</a:t>
+            </a:r>
+            <a:endParaRPr lang="en-US" altLang="zh-CN" dirty="0"/>
+          </a:p>
+          <a:p>
+            <a:r>
+              <a:rPr lang="zh-CN" altLang="en-US" dirty="0"/>
+              <a:t>一定不要忘记编辑文件后，要及时保存！</a:t>
+            </a:r>
+            <a:endParaRPr lang="en-US" altLang="zh-CN" dirty="0"/>
+          </a:p>
+          <a:p>
+            <a:endParaRPr lang="en-US" altLang="zh-CN" dirty="0"/>
+          </a:p>
+          <a:p>
+            <a:r>
+              <a:rPr lang="zh-CN" altLang="en-US" dirty="0"/>
+              <a:t>可以使用快捷键 </a:t>
+            </a:r>
+            <a:r>
+              <a:rPr lang="en-US" altLang="zh-CN" dirty="0"/>
+              <a:t>Ctrl + S </a:t>
+            </a:r>
+            <a:r>
+              <a:rPr lang="zh-CN" altLang="en-US" dirty="0"/>
+              <a:t>来快速完成保存操作</a:t>
+            </a:r>
+            <a:endParaRPr lang="en-US" altLang="zh-CN" dirty="0"/>
           </a:p>
         </p:txBody>
       </p:sp>
@@ -6982,7 +6936,7 @@
           <a:p>
             <a:fld id="{9901CBA2-7C9E-4AD6-B258-A0DB055BB3AF}" type="slidenum">
               <a:rPr lang="zh-CN" altLang="en-US" smtClean="0"/>
-              <a:t>27</a:t>
+              <a:t>26</a:t>
             </a:fld>
             <a:endParaRPr lang="zh-CN" altLang="en-US"/>
           </a:p>
@@ -6991,7 +6945,7 @@
     </p:spTree>
     <p:extLst>
       <p:ext uri="{BB962C8B-B14F-4D97-AF65-F5344CB8AC3E}">
-        <p14:creationId xmlns:p14="http://schemas.microsoft.com/office/powerpoint/2010/main" val="2020201082"/>
+        <p14:creationId xmlns:p14="http://schemas.microsoft.com/office/powerpoint/2010/main" val="507105514"/>
       </p:ext>
     </p:extLst>
   </p:cSld>
@@ -7047,45 +7001,49 @@
           <a:p>
             <a:r>
               <a:rPr lang="zh-CN" altLang="en-US" dirty="0"/>
-              <a:t>终端（</a:t>
-            </a:r>
-            <a:r>
-              <a:rPr lang="en-US" altLang="zh-CN" dirty="0"/>
-              <a:t>Terminal</a:t>
-            </a:r>
+              <a:t>在打开文件后，上边的菜单栏可能会隐藏，此时只要点击左上角的“三个横”图标，就能看到被隐藏的菜单选项了</a:t>
+            </a:r>
+            <a:endParaRPr lang="en-US" altLang="zh-CN" dirty="0"/>
+          </a:p>
+          <a:p>
             <a:r>
               <a:rPr lang="zh-CN" altLang="en-US" dirty="0"/>
-              <a:t>）实际上包含了之前提到的“命令提示符”，</a:t>
-            </a:r>
-            <a:r>
-              <a:rPr lang="en-US" altLang="zh-CN" dirty="0"/>
-              <a:t>VS Code </a:t>
-            </a:r>
-            <a:r>
-              <a:rPr lang="zh-CN" altLang="en-US" dirty="0"/>
-              <a:t>为我们方便地集成了功能，使得</a:t>
-            </a:r>
-            <a:r>
-              <a:rPr lang="zh-CN" altLang="en-US"/>
-              <a:t>我们可以在</a:t>
-            </a:r>
-            <a:r>
-              <a:rPr lang="zh-CN" altLang="en-US" dirty="0"/>
-              <a:t>这一个</a:t>
-            </a:r>
-            <a:r>
-              <a:rPr lang="zh-CN" altLang="en-US"/>
-              <a:t>窗口中，专心完成我们</a:t>
-            </a:r>
-            <a:r>
-              <a:rPr lang="zh-CN" altLang="en-US" dirty="0"/>
-              <a:t>想要做</a:t>
-            </a:r>
-            <a:r>
-              <a:rPr lang="zh-CN" altLang="en-US"/>
-              <a:t>的一切。</a:t>
+              <a:t>在你熟悉使用以后，也可以通过快捷键的方式来运行程序，快捷键一般会显示在选项的最右侧（这里就不演示了）</a:t>
             </a:r>
             <a:endParaRPr lang="en-US" altLang="zh-CN" dirty="0"/>
+          </a:p>
+          <a:p>
+            <a:r>
+              <a:rPr lang="zh-CN" altLang="en-US" b="1" u="sng" dirty="0">
+                <a:latin typeface="Consolas" panose="020B0609020204030204" pitchFamily="49" charset="0"/>
+              </a:rPr>
+              <a:t>运行</a:t>
+            </a:r>
+            <a:r>
+              <a:rPr lang="en-US" altLang="zh-CN" b="1" u="sng" dirty="0">
+                <a:latin typeface="Consolas" panose="020B0609020204030204" pitchFamily="49" charset="0"/>
+              </a:rPr>
+              <a:t> -&gt; </a:t>
+            </a:r>
+            <a:r>
+              <a:rPr lang="zh-CN" altLang="en-US" b="1" u="sng" dirty="0">
+                <a:latin typeface="Consolas" panose="020B0609020204030204" pitchFamily="49" charset="0"/>
+              </a:rPr>
+              <a:t>以非调试模式运行</a:t>
+            </a:r>
+            <a:r>
+              <a:rPr lang="zh-CN" altLang="en-US" b="0" u="none" dirty="0">
+                <a:latin typeface="Consolas" panose="020B0609020204030204" pitchFamily="49" charset="0"/>
+              </a:rPr>
+              <a:t>：</a:t>
+            </a:r>
+            <a:r>
+              <a:rPr lang="en-US" altLang="zh-CN" b="0" u="none" dirty="0">
+                <a:latin typeface="Consolas" panose="020B0609020204030204" pitchFamily="49" charset="0"/>
+              </a:rPr>
+              <a:t>Run -&gt; Run Without Debugging</a:t>
+            </a:r>
+            <a:endParaRPr lang="en-US" altLang="zh-CN" b="0" u="none" dirty="0"/>
           </a:p>
         </p:txBody>
       </p:sp>
@@ -7106,7 +7064,7 @@
           <a:p>
             <a:fld id="{9901CBA2-7C9E-4AD6-B258-A0DB055BB3AF}" type="slidenum">
               <a:rPr lang="zh-CN" altLang="en-US" smtClean="0"/>
-              <a:t>28</a:t>
+              <a:t>27</a:t>
             </a:fld>
             <a:endParaRPr lang="zh-CN" altLang="en-US"/>
           </a:p>
@@ -7115,7 +7073,7 @@
     </p:spTree>
     <p:extLst>
       <p:ext uri="{BB962C8B-B14F-4D97-AF65-F5344CB8AC3E}">
-        <p14:creationId xmlns:p14="http://schemas.microsoft.com/office/powerpoint/2010/main" val="1907829771"/>
+        <p14:creationId xmlns:p14="http://schemas.microsoft.com/office/powerpoint/2010/main" val="2020201082"/>
       </p:ext>
     </p:extLst>
   </p:cSld>
@@ -7170,24 +7128,46 @@
           <a:lstStyle/>
           <a:p>
             <a:r>
-              <a:rPr lang="zh-CN" altLang="en-US" sz="1800" b="0" i="0" u="none" strike="noStrike" baseline="0" dirty="0">
-                <a:latin typeface="FZSSJW--GB1-0"/>
-              </a:rPr>
-              <a:t>附录 </a:t>
-            </a:r>
-            <a:r>
-              <a:rPr lang="en-US" altLang="zh-CN" sz="1800" b="0" i="0" u="none" strike="noStrike" baseline="0" dirty="0">
-                <a:latin typeface="TimesNewRoman"/>
-              </a:rPr>
-              <a:t>C </a:t>
-            </a:r>
-            <a:r>
-              <a:rPr lang="zh-CN" altLang="en-US" sz="1800" b="0" i="0" u="none" strike="noStrike" baseline="0" dirty="0">
-                <a:latin typeface="FZSSJW--GB1-0"/>
-              </a:rPr>
-              <a:t>提供了很多在线资源，如论坛或在线聊天网站</a:t>
-            </a:r>
-            <a:endParaRPr lang="zh-CN" altLang="en-US" dirty="0"/>
+              <a:rPr lang="zh-CN" altLang="en-US" dirty="0"/>
+              <a:t>终端（</a:t>
+            </a:r>
+            <a:r>
+              <a:rPr lang="en-US" altLang="zh-CN" dirty="0"/>
+              <a:t>Terminal</a:t>
+            </a:r>
+            <a:r>
+              <a:rPr lang="zh-CN" altLang="en-US" dirty="0"/>
+              <a:t>）实际上包含了之前提到的“命令提示符”，</a:t>
+            </a:r>
+            <a:r>
+              <a:rPr lang="en-US" altLang="zh-CN" dirty="0"/>
+              <a:t>VS Code </a:t>
+            </a:r>
+            <a:r>
+              <a:rPr lang="zh-CN" altLang="en-US" dirty="0"/>
+              <a:t>为我们方便地集成了功能，使得</a:t>
+            </a:r>
+            <a:r>
+              <a:rPr lang="zh-CN" altLang="en-US"/>
+              <a:t>我们可以在</a:t>
+            </a:r>
+            <a:r>
+              <a:rPr lang="zh-CN" altLang="en-US" dirty="0"/>
+              <a:t>这一个</a:t>
+            </a:r>
+            <a:r>
+              <a:rPr lang="zh-CN" altLang="en-US"/>
+              <a:t>窗口中，专心完成我们</a:t>
+            </a:r>
+            <a:r>
+              <a:rPr lang="zh-CN" altLang="en-US" dirty="0"/>
+              <a:t>想要做</a:t>
+            </a:r>
+            <a:r>
+              <a:rPr lang="zh-CN" altLang="en-US"/>
+              <a:t>的一切。</a:t>
+            </a:r>
+            <a:endParaRPr lang="en-US" altLang="zh-CN" dirty="0"/>
           </a:p>
         </p:txBody>
       </p:sp>
@@ -7208,7 +7188,7 @@
           <a:p>
             <a:fld id="{9901CBA2-7C9E-4AD6-B258-A0DB055BB3AF}" type="slidenum">
               <a:rPr lang="zh-CN" altLang="en-US" smtClean="0"/>
-              <a:t>29</a:t>
+              <a:t>28</a:t>
             </a:fld>
             <a:endParaRPr lang="zh-CN" altLang="en-US"/>
           </a:p>
@@ -7217,7 +7197,7 @@
     </p:spTree>
     <p:extLst>
       <p:ext uri="{BB962C8B-B14F-4D97-AF65-F5344CB8AC3E}">
-        <p14:creationId xmlns:p14="http://schemas.microsoft.com/office/powerpoint/2010/main" val="1308399219"/>
+        <p14:creationId xmlns:p14="http://schemas.microsoft.com/office/powerpoint/2010/main" val="1907829771"/>
       </p:ext>
     </p:extLst>
   </p:cSld>
@@ -7271,6 +7251,24 @@
           <a:bodyPr/>
           <a:lstStyle/>
           <a:p>
+            <a:r>
+              <a:rPr lang="zh-CN" altLang="en-US" sz="1800" b="0" i="0" u="none" strike="noStrike" baseline="0" dirty="0">
+                <a:latin typeface="FZSSJW--GB1-0"/>
+              </a:rPr>
+              <a:t>附录 </a:t>
+            </a:r>
+            <a:r>
+              <a:rPr lang="en-US" altLang="zh-CN" sz="1800" b="0" i="0" u="none" strike="noStrike" baseline="0" dirty="0">
+                <a:latin typeface="TimesNewRoman"/>
+              </a:rPr>
+              <a:t>C </a:t>
+            </a:r>
+            <a:r>
+              <a:rPr lang="zh-CN" altLang="en-US" sz="1800" b="0" i="0" u="none" strike="noStrike" baseline="0" dirty="0">
+                <a:latin typeface="FZSSJW--GB1-0"/>
+              </a:rPr>
+              <a:t>提供了很多在线资源，如论坛或在线聊天网站</a:t>
+            </a:r>
             <a:endParaRPr lang="zh-CN" altLang="en-US" dirty="0"/>
           </a:p>
         </p:txBody>
@@ -7292,7 +7290,7 @@
           <a:p>
             <a:fld id="{9901CBA2-7C9E-4AD6-B258-A0DB055BB3AF}" type="slidenum">
               <a:rPr lang="zh-CN" altLang="en-US" smtClean="0"/>
-              <a:t>30</a:t>
+              <a:t>29</a:t>
             </a:fld>
             <a:endParaRPr lang="zh-CN" altLang="en-US"/>
           </a:p>
@@ -7301,7 +7299,7 @@
     </p:spTree>
     <p:extLst>
       <p:ext uri="{BB962C8B-B14F-4D97-AF65-F5344CB8AC3E}">
-        <p14:creationId xmlns:p14="http://schemas.microsoft.com/office/powerpoint/2010/main" val="2700064975"/>
+        <p14:creationId xmlns:p14="http://schemas.microsoft.com/office/powerpoint/2010/main" val="1308399219"/>
       </p:ext>
     </p:extLst>
   </p:cSld>
@@ -7376,7 +7374,7 @@
           <a:p>
             <a:fld id="{9901CBA2-7C9E-4AD6-B258-A0DB055BB3AF}" type="slidenum">
               <a:rPr lang="zh-CN" altLang="en-US" smtClean="0"/>
-              <a:t>31</a:t>
+              <a:t>30</a:t>
             </a:fld>
             <a:endParaRPr lang="zh-CN" altLang="en-US"/>
           </a:p>
@@ -7385,7 +7383,7 @@
     </p:spTree>
     <p:extLst>
       <p:ext uri="{BB962C8B-B14F-4D97-AF65-F5344CB8AC3E}">
-        <p14:creationId xmlns:p14="http://schemas.microsoft.com/office/powerpoint/2010/main" val="3761428499"/>
+        <p14:creationId xmlns:p14="http://schemas.microsoft.com/office/powerpoint/2010/main" val="2700064975"/>
       </p:ext>
     </p:extLst>
   </p:cSld>
@@ -7460,6 +7458,90 @@
           <a:p>
             <a:fld id="{9901CBA2-7C9E-4AD6-B258-A0DB055BB3AF}" type="slidenum">
               <a:rPr lang="zh-CN" altLang="en-US" smtClean="0"/>
+              <a:t>31</a:t>
+            </a:fld>
+            <a:endParaRPr lang="zh-CN" altLang="en-US"/>
+          </a:p>
+        </p:txBody>
+      </p:sp>
+    </p:spTree>
+    <p:extLst>
+      <p:ext uri="{BB962C8B-B14F-4D97-AF65-F5344CB8AC3E}">
+        <p14:creationId xmlns:p14="http://schemas.microsoft.com/office/powerpoint/2010/main" val="3761428499"/>
+      </p:ext>
+    </p:extLst>
+  </p:cSld>
+  <p:clrMapOvr>
+    <a:masterClrMapping/>
+  </p:clrMapOvr>
+</p:notes>
+</file>
+
+<file path=ppt/notesSlides/notesSlide27.xml><?xml version="1.0" encoding="utf-8"?>
+<p:notes xmlns:a="http://schemas.openxmlformats.org/drawingml/2006/main" xmlns:r="http://schemas.openxmlformats.org/officeDocument/2006/relationships" xmlns:p="http://schemas.openxmlformats.org/presentationml/2006/main">
+  <p:cSld>
+    <p:spTree>
+      <p:nvGrpSpPr>
+        <p:cNvPr id="1" name=""/>
+        <p:cNvGrpSpPr/>
+        <p:nvPr/>
+      </p:nvGrpSpPr>
+      <p:grpSpPr>
+        <a:xfrm>
+          <a:off x="0" y="0"/>
+          <a:ext cx="0" cy="0"/>
+          <a:chOff x="0" y="0"/>
+          <a:chExt cx="0" cy="0"/>
+        </a:xfrm>
+      </p:grpSpPr>
+      <p:sp>
+        <p:nvSpPr>
+          <p:cNvPr id="2" name="幻灯片图像占位符 1"/>
+          <p:cNvSpPr>
+            <a:spLocks noGrp="1" noRot="1" noChangeAspect="1"/>
+          </p:cNvSpPr>
+          <p:nvPr>
+            <p:ph type="sldImg"/>
+          </p:nvPr>
+        </p:nvSpPr>
+        <p:spPr/>
+      </p:sp>
+      <p:sp>
+        <p:nvSpPr>
+          <p:cNvPr id="3" name="备注占位符 2"/>
+          <p:cNvSpPr>
+            <a:spLocks noGrp="1"/>
+          </p:cNvSpPr>
+          <p:nvPr>
+            <p:ph type="body" idx="1"/>
+          </p:nvPr>
+        </p:nvSpPr>
+        <p:spPr/>
+        <p:txBody>
+          <a:bodyPr/>
+          <a:lstStyle/>
+          <a:p>
+            <a:endParaRPr lang="zh-CN" altLang="en-US" dirty="0"/>
+          </a:p>
+        </p:txBody>
+      </p:sp>
+      <p:sp>
+        <p:nvSpPr>
+          <p:cNvPr id="4" name="灯片编号占位符 3"/>
+          <p:cNvSpPr>
+            <a:spLocks noGrp="1"/>
+          </p:cNvSpPr>
+          <p:nvPr>
+            <p:ph type="sldNum" sz="quarter" idx="5"/>
+          </p:nvPr>
+        </p:nvSpPr>
+        <p:spPr/>
+        <p:txBody>
+          <a:bodyPr/>
+          <a:lstStyle/>
+          <a:p>
+            <a:fld id="{9901CBA2-7C9E-4AD6-B258-A0DB055BB3AF}" type="slidenum">
+              <a:rPr lang="zh-CN" altLang="en-US" smtClean="0"/>
               <a:t>32</a:t>
             </a:fld>
             <a:endParaRPr lang="zh-CN" altLang="en-US"/>
@@ -7479,7 +7561,7 @@
 </p:notes>
 </file>
 
-<file path=ppt/notesSlides/notesSlide27.xml><?xml version="1.0" encoding="utf-8"?>
+<file path=ppt/notesSlides/notesSlide28.xml><?xml version="1.0" encoding="utf-8"?>
 <p:notes xmlns:a="http://schemas.openxmlformats.org/drawingml/2006/main" xmlns:r="http://schemas.openxmlformats.org/officeDocument/2006/relationships" xmlns:p="http://schemas.openxmlformats.org/presentationml/2006/main">
   <p:cSld>
     <p:spTree>
@@ -8527,9 +8609,12 @@
               <a:defRPr/>
             </a:pPr>
             <a:r>
-              <a:rPr lang="zh-CN" altLang="en-US" dirty="0"/>
-              <a:t>汉化操作是个可选项，我们很少会涉及到生僻单词的使用，所以如果你想顺便熟悉一下英文，那就不用配置汉化了，后文在备注中会尽量附上英文原文。</a:t>
-            </a:r>
+              <a:rPr lang="en-US" altLang="zh-CN" dirty="0">
+                <a:hlinkClick r:id="rId3"/>
+              </a:rPr>
+              <a:t>https://code.visualstudio.com/</a:t>
+            </a:r>
+            <a:endParaRPr lang="zh-CN" altLang="en-US" dirty="0"/>
           </a:p>
           <a:p>
             <a:endParaRPr lang="zh-CN" altLang="en-US" dirty="0"/>
@@ -8553,7 +8638,7 @@
           <a:p>
             <a:fld id="{9901CBA2-7C9E-4AD6-B258-A0DB055BB3AF}" type="slidenum">
               <a:rPr lang="zh-CN" altLang="en-US" smtClean="0"/>
-              <a:t>13</a:t>
+              <a:t>12</a:t>
             </a:fld>
             <a:endParaRPr lang="zh-CN" altLang="en-US"/>
           </a:p>
@@ -8562,7 +8647,7 @@
     </p:spTree>
     <p:extLst>
       <p:ext uri="{BB962C8B-B14F-4D97-AF65-F5344CB8AC3E}">
-        <p14:creationId xmlns:p14="http://schemas.microsoft.com/office/powerpoint/2010/main" val="2035152831"/>
+        <p14:creationId xmlns:p14="http://schemas.microsoft.com/office/powerpoint/2010/main" val="1939811196"/>
       </p:ext>
     </p:extLst>
   </p:cSld>
@@ -8719,7 +8804,7 @@
           <a:p>
             <a:fld id="{F721228B-0167-4061-A906-8575043315EE}" type="datetimeFigureOut">
               <a:rPr lang="zh-CN" altLang="en-US" smtClean="0"/>
-              <a:t>2025/3/2 Sun</a:t>
+              <a:t>2025/6/6 Fri</a:t>
             </a:fld>
             <a:endParaRPr lang="zh-CN" altLang="en-US"/>
           </a:p>
@@ -8782,7 +8867,7 @@
     </p:spTree>
     <p:extLst>
       <p:ext uri="{BB962C8B-B14F-4D97-AF65-F5344CB8AC3E}">
-        <p14:creationId xmlns:p14="http://schemas.microsoft.com/office/powerpoint/2010/main" val="2187492797"/>
+        <p14:creationId xmlns:p14="http://schemas.microsoft.com/office/powerpoint/2010/main" val="543834394"/>
       </p:ext>
     </p:extLst>
   </p:cSld>
@@ -8929,7 +9014,7 @@
           <a:p>
             <a:fld id="{F721228B-0167-4061-A906-8575043315EE}" type="datetimeFigureOut">
               <a:rPr lang="zh-CN" altLang="en-US" smtClean="0"/>
-              <a:t>2025/3/2 Sun</a:t>
+              <a:t>2025/6/6 Fri</a:t>
             </a:fld>
             <a:endParaRPr lang="zh-CN" altLang="en-US"/>
           </a:p>
@@ -8992,7 +9077,7 @@
     </p:spTree>
     <p:extLst>
       <p:ext uri="{BB962C8B-B14F-4D97-AF65-F5344CB8AC3E}">
-        <p14:creationId xmlns:p14="http://schemas.microsoft.com/office/powerpoint/2010/main" val="3533658407"/>
+        <p14:creationId xmlns:p14="http://schemas.microsoft.com/office/powerpoint/2010/main" val="2457770761"/>
       </p:ext>
     </p:extLst>
   </p:cSld>
@@ -9149,7 +9234,7 @@
           <a:p>
             <a:fld id="{F721228B-0167-4061-A906-8575043315EE}" type="datetimeFigureOut">
               <a:rPr lang="zh-CN" altLang="en-US" smtClean="0"/>
-              <a:t>2025/3/2 Sun</a:t>
+              <a:t>2025/6/6 Fri</a:t>
             </a:fld>
             <a:endParaRPr lang="zh-CN" altLang="en-US"/>
           </a:p>
@@ -9212,7 +9297,7 @@
     </p:spTree>
     <p:extLst>
       <p:ext uri="{BB962C8B-B14F-4D97-AF65-F5344CB8AC3E}">
-        <p14:creationId xmlns:p14="http://schemas.microsoft.com/office/powerpoint/2010/main" val="1976972956"/>
+        <p14:creationId xmlns:p14="http://schemas.microsoft.com/office/powerpoint/2010/main" val="2669090961"/>
       </p:ext>
     </p:extLst>
   </p:cSld>
@@ -9235,7 +9320,7 @@
 </file>
 
 <file path=ppt/slideLayouts/slideLayout12.xml><?xml version="1.0" encoding="utf-8"?>
-<p:sldLayout xmlns:a="http://schemas.openxmlformats.org/drawingml/2006/main" xmlns:r="http://schemas.openxmlformats.org/officeDocument/2006/relationships" xmlns:p="http://schemas.openxmlformats.org/presentationml/2006/main" showMasterSp="0" userDrawn="1">
+<p:sldLayout xmlns:a="http://schemas.openxmlformats.org/drawingml/2006/main" xmlns:r="http://schemas.openxmlformats.org/officeDocument/2006/relationships" xmlns:p="http://schemas.openxmlformats.org/presentationml/2006/main" showMasterSp="0" preserve="1" userDrawn="1">
   <p:cSld name="1_标题幻灯片">
     <p:spTree>
       <p:nvGrpSpPr>
@@ -9444,7 +9529,239 @@
     </p:spTree>
     <p:extLst>
       <p:ext uri="{BB962C8B-B14F-4D97-AF65-F5344CB8AC3E}">
-        <p14:creationId xmlns:p14="http://schemas.microsoft.com/office/powerpoint/2010/main" val="1337634028"/>
+        <p14:creationId xmlns:p14="http://schemas.microsoft.com/office/powerpoint/2010/main" val="3737732045"/>
+      </p:ext>
+    </p:extLst>
+  </p:cSld>
+  <p:clrMapOvr>
+    <a:masterClrMapping/>
+  </p:clrMapOvr>
+  <mc:AlternateContent xmlns:mc="http://schemas.openxmlformats.org/markup-compatibility/2006" xmlns:p14="http://schemas.microsoft.com/office/powerpoint/2010/main">
+    <mc:Choice Requires="p14">
+      <p:transition spd="med" p14:dur="700">
+        <p:fade/>
+      </p:transition>
+    </mc:Choice>
+    <mc:Fallback xmlns="">
+      <p:transition spd="med">
+        <p:fade/>
+      </p:transition>
+    </mc:Fallback>
+  </mc:AlternateContent>
+</p:sldLayout>
+</file>
+
+<file path=ppt/slideLayouts/slideLayout13.xml><?xml version="1.0" encoding="utf-8"?>
+<p:sldLayout xmlns:a="http://schemas.openxmlformats.org/drawingml/2006/main" xmlns:r="http://schemas.openxmlformats.org/officeDocument/2006/relationships" xmlns:p="http://schemas.openxmlformats.org/presentationml/2006/main" showMasterSp="0" preserve="1" userDrawn="1">
+  <p:cSld name="2_标题幻灯片">
+    <p:spTree>
+      <p:nvGrpSpPr>
+        <p:cNvPr id="1" name=""/>
+        <p:cNvGrpSpPr/>
+        <p:nvPr/>
+      </p:nvGrpSpPr>
+      <p:grpSpPr>
+        <a:xfrm>
+          <a:off x="0" y="0"/>
+          <a:ext cx="0" cy="0"/>
+          <a:chOff x="0" y="0"/>
+          <a:chExt cx="0" cy="0"/>
+        </a:xfrm>
+      </p:grpSpPr>
+      <p:sp>
+        <p:nvSpPr>
+          <p:cNvPr id="19483" name="Rectangle 27">
+            <a:extLst>
+              <a:ext uri="{FF2B5EF4-FFF2-40B4-BE49-F238E27FC236}">
+                <a16:creationId xmlns:a16="http://schemas.microsoft.com/office/drawing/2014/main" id="{FFE563FA-4880-391C-43FD-EF34392B9FBB}"/>
+              </a:ext>
+            </a:extLst>
+          </p:cNvPr>
+          <p:cNvSpPr>
+            <a:spLocks noChangeArrowheads="1"/>
+          </p:cNvSpPr>
+          <p:nvPr userDrawn="1"/>
+        </p:nvSpPr>
+        <p:spPr bwMode="auto">
+          <a:xfrm>
+            <a:off x="2641600" y="4191000"/>
+            <a:ext cx="7416800" cy="2209800"/>
+          </a:xfrm>
+          <a:prstGeom prst="rect">
+            <a:avLst/>
+          </a:prstGeom>
+          <a:noFill/>
+          <a:ln>
+            <a:noFill/>
+          </a:ln>
+          <a:effectLst/>
+          <a:extLst>
+            <a:ext uri="{909E8E84-426E-40DD-AFC4-6F175D3DCCD1}">
+              <a14:hiddenFill xmlns:a14="http://schemas.microsoft.com/office/drawing/2010/main">
+                <a:solidFill>
+                  <a:schemeClr val="accent1"/>
+                </a:solidFill>
+              </a14:hiddenFill>
+            </a:ext>
+            <a:ext uri="{91240B29-F687-4F45-9708-019B960494DF}">
+              <a14:hiddenLine xmlns:a14="http://schemas.microsoft.com/office/drawing/2010/main" w="9525">
+                <a:solidFill>
+                  <a:schemeClr val="tx1"/>
+                </a:solidFill>
+                <a:miter lim="800000"/>
+                <a:headEnd/>
+                <a:tailEnd/>
+              </a14:hiddenLine>
+            </a:ext>
+            <a:ext uri="{AF507438-7753-43E0-B8FC-AC1667EBCBE1}">
+              <a14:hiddenEffects xmlns:a14="http://schemas.microsoft.com/office/drawing/2010/main">
+                <a:effectLst>
+                  <a:outerShdw dist="35921" dir="2700000" algn="ctr" rotWithShape="0">
+                    <a:schemeClr val="bg2"/>
+                  </a:outerShdw>
+                </a:effectLst>
+              </a14:hiddenEffects>
+            </a:ext>
+          </a:extLst>
+        </p:spPr>
+        <p:txBody>
+          <a:bodyPr/>
+          <a:lstStyle>
+            <a:lvl1pPr marL="287338" indent="-287338" eaLnBrk="0" hangingPunct="0">
+              <a:spcBef>
+                <a:spcPct val="0"/>
+              </a:spcBef>
+              <a:defRPr kumimoji="1" sz="2400">
+                <a:solidFill>
+                  <a:schemeClr val="tx1"/>
+                </a:solidFill>
+                <a:latin typeface="Times New Roman" panose="02020603050405020304" pitchFamily="18" charset="0"/>
+              </a:defRPr>
+            </a:lvl1pPr>
+            <a:lvl2pPr marL="744538" indent="-287338" eaLnBrk="0" hangingPunct="0">
+              <a:spcBef>
+                <a:spcPct val="0"/>
+              </a:spcBef>
+              <a:defRPr kumimoji="1" sz="2400">
+                <a:solidFill>
+                  <a:schemeClr val="tx1"/>
+                </a:solidFill>
+                <a:latin typeface="Times New Roman" panose="02020603050405020304" pitchFamily="18" charset="0"/>
+              </a:defRPr>
+            </a:lvl2pPr>
+            <a:lvl3pPr eaLnBrk="0" hangingPunct="0">
+              <a:spcBef>
+                <a:spcPct val="0"/>
+              </a:spcBef>
+              <a:defRPr kumimoji="1" sz="2400">
+                <a:solidFill>
+                  <a:schemeClr val="tx1"/>
+                </a:solidFill>
+                <a:latin typeface="Times New Roman" panose="02020603050405020304" pitchFamily="18" charset="0"/>
+              </a:defRPr>
+            </a:lvl3pPr>
+            <a:lvl4pPr eaLnBrk="0" hangingPunct="0">
+              <a:spcBef>
+                <a:spcPct val="0"/>
+              </a:spcBef>
+              <a:defRPr kumimoji="1" sz="2400">
+                <a:solidFill>
+                  <a:schemeClr val="tx1"/>
+                </a:solidFill>
+                <a:latin typeface="Times New Roman" panose="02020603050405020304" pitchFamily="18" charset="0"/>
+              </a:defRPr>
+            </a:lvl4pPr>
+            <a:lvl5pPr eaLnBrk="0" hangingPunct="0">
+              <a:spcBef>
+                <a:spcPct val="0"/>
+              </a:spcBef>
+              <a:defRPr kumimoji="1" sz="2400">
+                <a:solidFill>
+                  <a:schemeClr val="tx1"/>
+                </a:solidFill>
+                <a:latin typeface="Times New Roman" panose="02020603050405020304" pitchFamily="18" charset="0"/>
+              </a:defRPr>
+            </a:lvl5pPr>
+            <a:lvl6pPr eaLnBrk="0" fontAlgn="base" hangingPunct="0">
+              <a:spcBef>
+                <a:spcPct val="0"/>
+              </a:spcBef>
+              <a:spcAft>
+                <a:spcPct val="0"/>
+              </a:spcAft>
+              <a:defRPr kumimoji="1" sz="2400">
+                <a:solidFill>
+                  <a:schemeClr val="tx1"/>
+                </a:solidFill>
+                <a:latin typeface="Times New Roman" panose="02020603050405020304" pitchFamily="18" charset="0"/>
+              </a:defRPr>
+            </a:lvl6pPr>
+            <a:lvl7pPr eaLnBrk="0" fontAlgn="base" hangingPunct="0">
+              <a:spcBef>
+                <a:spcPct val="0"/>
+              </a:spcBef>
+              <a:spcAft>
+                <a:spcPct val="0"/>
+              </a:spcAft>
+              <a:defRPr kumimoji="1" sz="2400">
+                <a:solidFill>
+                  <a:schemeClr val="tx1"/>
+                </a:solidFill>
+                <a:latin typeface="Times New Roman" panose="02020603050405020304" pitchFamily="18" charset="0"/>
+              </a:defRPr>
+            </a:lvl7pPr>
+            <a:lvl8pPr eaLnBrk="0" fontAlgn="base" hangingPunct="0">
+              <a:spcBef>
+                <a:spcPct val="0"/>
+              </a:spcBef>
+              <a:spcAft>
+                <a:spcPct val="0"/>
+              </a:spcAft>
+              <a:defRPr kumimoji="1" sz="2400">
+                <a:solidFill>
+                  <a:schemeClr val="tx1"/>
+                </a:solidFill>
+                <a:latin typeface="Times New Roman" panose="02020603050405020304" pitchFamily="18" charset="0"/>
+              </a:defRPr>
+            </a:lvl8pPr>
+            <a:lvl9pPr eaLnBrk="0" fontAlgn="base" hangingPunct="0">
+              <a:spcBef>
+                <a:spcPct val="0"/>
+              </a:spcBef>
+              <a:spcAft>
+                <a:spcPct val="0"/>
+              </a:spcAft>
+              <a:defRPr kumimoji="1" sz="2400">
+                <a:solidFill>
+                  <a:schemeClr val="tx1"/>
+                </a:solidFill>
+                <a:latin typeface="Times New Roman" panose="02020603050405020304" pitchFamily="18" charset="0"/>
+              </a:defRPr>
+            </a:lvl9pPr>
+          </a:lstStyle>
+          <a:p>
+            <a:pPr eaLnBrk="1" hangingPunct="1">
+              <a:lnSpc>
+                <a:spcPct val="102000"/>
+              </a:lnSpc>
+              <a:spcBef>
+                <a:spcPct val="20000"/>
+              </a:spcBef>
+              <a:buClr>
+                <a:srgbClr val="808080"/>
+              </a:buClr>
+              <a:buSzPct val="60000"/>
+            </a:pPr>
+            <a:endParaRPr kumimoji="0" lang="en-GB" altLang="zh-CN" sz="1600">
+              <a:latin typeface="Verdana" panose="020B0604030504040204" pitchFamily="34" charset="0"/>
+            </a:endParaRPr>
+          </a:p>
+        </p:txBody>
+      </p:sp>
+    </p:spTree>
+    <p:extLst>
+      <p:ext uri="{BB962C8B-B14F-4D97-AF65-F5344CB8AC3E}">
+        <p14:creationId xmlns:p14="http://schemas.microsoft.com/office/powerpoint/2010/main" val="417222044"/>
       </p:ext>
     </p:extLst>
   </p:cSld>
@@ -9646,7 +9963,7 @@
           <a:p>
             <a:fld id="{F721228B-0167-4061-A906-8575043315EE}" type="datetimeFigureOut">
               <a:rPr lang="zh-CN" altLang="en-US" smtClean="0"/>
-              <a:t>2025/3/2 Sun</a:t>
+              <a:t>2025/6/6 Fri</a:t>
             </a:fld>
             <a:endParaRPr lang="zh-CN" altLang="en-US"/>
           </a:p>
@@ -9758,7 +10075,7 @@
     </p:spTree>
     <p:extLst>
       <p:ext uri="{BB962C8B-B14F-4D97-AF65-F5344CB8AC3E}">
-        <p14:creationId xmlns:p14="http://schemas.microsoft.com/office/powerpoint/2010/main" val="2116765151"/>
+        <p14:creationId xmlns:p14="http://schemas.microsoft.com/office/powerpoint/2010/main" val="2427997525"/>
       </p:ext>
     </p:extLst>
   </p:cSld>
@@ -9982,7 +10299,7 @@
           <a:p>
             <a:fld id="{F721228B-0167-4061-A906-8575043315EE}" type="datetimeFigureOut">
               <a:rPr lang="zh-CN" altLang="en-US" smtClean="0"/>
-              <a:t>2025/3/2 Sun</a:t>
+              <a:t>2025/6/6 Fri</a:t>
             </a:fld>
             <a:endParaRPr lang="zh-CN" altLang="en-US"/>
           </a:p>
@@ -10045,7 +10362,7 @@
     </p:spTree>
     <p:extLst>
       <p:ext uri="{BB962C8B-B14F-4D97-AF65-F5344CB8AC3E}">
-        <p14:creationId xmlns:p14="http://schemas.microsoft.com/office/powerpoint/2010/main" val="3876442843"/>
+        <p14:creationId xmlns:p14="http://schemas.microsoft.com/office/powerpoint/2010/main" val="2128018837"/>
       </p:ext>
     </p:extLst>
   </p:cSld>
@@ -10340,7 +10657,7 @@
           <a:p>
             <a:fld id="{F721228B-0167-4061-A906-8575043315EE}" type="datetimeFigureOut">
               <a:rPr lang="zh-CN" altLang="en-US" smtClean="0"/>
-              <a:t>2025/3/2 Sun</a:t>
+              <a:t>2025/6/6 Fri</a:t>
             </a:fld>
             <a:endParaRPr lang="zh-CN" altLang="en-US"/>
           </a:p>
@@ -10452,7 +10769,7 @@
     </p:spTree>
     <p:extLst>
       <p:ext uri="{BB962C8B-B14F-4D97-AF65-F5344CB8AC3E}">
-        <p14:creationId xmlns:p14="http://schemas.microsoft.com/office/powerpoint/2010/main" val="2296489930"/>
+        <p14:creationId xmlns:p14="http://schemas.microsoft.com/office/powerpoint/2010/main" val="843690229"/>
       </p:ext>
     </p:extLst>
   </p:cSld>
@@ -10813,7 +11130,7 @@
           <a:p>
             <a:fld id="{F721228B-0167-4061-A906-8575043315EE}" type="datetimeFigureOut">
               <a:rPr lang="zh-CN" altLang="en-US" smtClean="0"/>
-              <a:t>2025/3/2 Sun</a:t>
+              <a:t>2025/6/6 Fri</a:t>
             </a:fld>
             <a:endParaRPr lang="zh-CN" altLang="en-US"/>
           </a:p>
@@ -10876,7 +11193,7 @@
     </p:spTree>
     <p:extLst>
       <p:ext uri="{BB962C8B-B14F-4D97-AF65-F5344CB8AC3E}">
-        <p14:creationId xmlns:p14="http://schemas.microsoft.com/office/powerpoint/2010/main" val="1903742116"/>
+        <p14:creationId xmlns:p14="http://schemas.microsoft.com/office/powerpoint/2010/main" val="1275963529"/>
       </p:ext>
     </p:extLst>
   </p:cSld>
@@ -10966,7 +11283,7 @@
           <a:p>
             <a:fld id="{F721228B-0167-4061-A906-8575043315EE}" type="datetimeFigureOut">
               <a:rPr lang="zh-CN" altLang="en-US" smtClean="0"/>
-              <a:t>2025/3/2 Sun</a:t>
+              <a:t>2025/6/6 Fri</a:t>
             </a:fld>
             <a:endParaRPr lang="zh-CN" altLang="en-US"/>
           </a:p>
@@ -11029,7 +11346,7 @@
     </p:spTree>
     <p:extLst>
       <p:ext uri="{BB962C8B-B14F-4D97-AF65-F5344CB8AC3E}">
-        <p14:creationId xmlns:p14="http://schemas.microsoft.com/office/powerpoint/2010/main" val="2266343131"/>
+        <p14:creationId xmlns:p14="http://schemas.microsoft.com/office/powerpoint/2010/main" val="879535242"/>
       </p:ext>
     </p:extLst>
   </p:cSld>
@@ -11091,7 +11408,7 @@
           <a:p>
             <a:fld id="{F721228B-0167-4061-A906-8575043315EE}" type="datetimeFigureOut">
               <a:rPr lang="zh-CN" altLang="en-US" smtClean="0"/>
-              <a:t>2025/3/2 Sun</a:t>
+              <a:t>2025/6/6 Fri</a:t>
             </a:fld>
             <a:endParaRPr lang="zh-CN" altLang="en-US"/>
           </a:p>
@@ -11154,7 +11471,7 @@
     </p:spTree>
     <p:extLst>
       <p:ext uri="{BB962C8B-B14F-4D97-AF65-F5344CB8AC3E}">
-        <p14:creationId xmlns:p14="http://schemas.microsoft.com/office/powerpoint/2010/main" val="3125871839"/>
+        <p14:creationId xmlns:p14="http://schemas.microsoft.com/office/powerpoint/2010/main" val="1406007863"/>
       </p:ext>
     </p:extLst>
   </p:cSld>
@@ -11414,7 +11731,7 @@
           <a:p>
             <a:fld id="{F721228B-0167-4061-A906-8575043315EE}" type="datetimeFigureOut">
               <a:rPr lang="zh-CN" altLang="en-US" smtClean="0"/>
-              <a:t>2025/3/2 Sun</a:t>
+              <a:t>2025/6/6 Fri</a:t>
             </a:fld>
             <a:endParaRPr lang="zh-CN" altLang="en-US"/>
           </a:p>
@@ -11477,7 +11794,7 @@
     </p:spTree>
     <p:extLst>
       <p:ext uri="{BB962C8B-B14F-4D97-AF65-F5344CB8AC3E}">
-        <p14:creationId xmlns:p14="http://schemas.microsoft.com/office/powerpoint/2010/main" val="4269120921"/>
+        <p14:creationId xmlns:p14="http://schemas.microsoft.com/office/powerpoint/2010/main" val="3972469477"/>
       </p:ext>
     </p:extLst>
   </p:cSld>
@@ -11714,7 +12031,7 @@
           <a:p>
             <a:fld id="{F721228B-0167-4061-A906-8575043315EE}" type="datetimeFigureOut">
               <a:rPr lang="zh-CN" altLang="en-US" smtClean="0"/>
-              <a:t>2025/3/2 Sun</a:t>
+              <a:t>2025/6/6 Fri</a:t>
             </a:fld>
             <a:endParaRPr lang="zh-CN" altLang="en-US"/>
           </a:p>
@@ -11777,7 +12094,7 @@
     </p:spTree>
     <p:extLst>
       <p:ext uri="{BB962C8B-B14F-4D97-AF65-F5344CB8AC3E}">
-        <p14:creationId xmlns:p14="http://schemas.microsoft.com/office/powerpoint/2010/main" val="3839517779"/>
+        <p14:creationId xmlns:p14="http://schemas.microsoft.com/office/powerpoint/2010/main" val="2671335054"/>
       </p:ext>
     </p:extLst>
   </p:cSld>
@@ -11800,12 +12117,23 @@
 </file>
 
 <file path=ppt/slideMasters/slideMaster1.xml><?xml version="1.0" encoding="utf-8"?>
-<p:sldMaster xmlns:a="http://schemas.openxmlformats.org/drawingml/2006/main" xmlns:r="http://schemas.openxmlformats.org/officeDocument/2006/relationships" xmlns:p="http://schemas.openxmlformats.org/presentationml/2006/main">
+<p:sldMaster xmlns:a="http://schemas.openxmlformats.org/drawingml/2006/main" xmlns:r="http://schemas.openxmlformats.org/officeDocument/2006/relationships" xmlns:p="http://schemas.openxmlformats.org/presentationml/2006/main" preserve="1">
   <p:cSld>
     <p:bg>
-      <p:bgRef idx="1001">
-        <a:schemeClr val="bg1"/>
-      </p:bgRef>
+      <p:bgPr>
+        <a:gradFill>
+          <a:gsLst>
+            <a:gs pos="0">
+              <a:schemeClr val="bg1"/>
+            </a:gs>
+            <a:gs pos="100000">
+              <a:srgbClr val="F0F8FF"/>
+            </a:gs>
+          </a:gsLst>
+          <a:lin ang="5400000" scaled="1"/>
+        </a:gradFill>
+        <a:effectLst/>
+      </p:bgPr>
     </p:bg>
     <p:spTree>
       <p:nvGrpSpPr>
@@ -11967,7 +12295,7 @@
           <a:p>
             <a:fld id="{F721228B-0167-4061-A906-8575043315EE}" type="datetimeFigureOut">
               <a:rPr lang="zh-CN" altLang="en-US" smtClean="0"/>
-              <a:t>2025/3/2 Sun</a:t>
+              <a:t>2025/6/6 Fri</a:t>
             </a:fld>
             <a:endParaRPr lang="zh-CN" altLang="en-US"/>
           </a:p>
@@ -12063,27 +12391,58 @@
           </a:p>
         </p:txBody>
       </p:sp>
+      <p:pic>
+        <p:nvPicPr>
+          <p:cNvPr id="7" name="图片 6">
+            <a:extLst>
+              <a:ext uri="{FF2B5EF4-FFF2-40B4-BE49-F238E27FC236}">
+                <a16:creationId xmlns:a16="http://schemas.microsoft.com/office/drawing/2014/main" id="{68A54585-7C5F-477D-7B3E-CE77E2F12069}"/>
+              </a:ext>
+            </a:extLst>
+          </p:cNvPr>
+          <p:cNvPicPr/>
+          <p:nvPr userDrawn="1"/>
+        </p:nvPicPr>
+        <p:blipFill>
+          <a:blip r:embed="rId15"/>
+          <a:stretch/>
+        </p:blipFill>
+        <p:spPr>
+          <a:xfrm>
+            <a:off x="11234160" y="5770605"/>
+            <a:ext cx="699060" cy="815726"/>
+          </a:xfrm>
+          <a:prstGeom prst="rect">
+            <a:avLst/>
+          </a:prstGeom>
+          <a:noFill/>
+          <a:ln w="0">
+            <a:noFill/>
+          </a:ln>
+        </p:spPr>
+      </p:pic>
     </p:spTree>
     <p:extLst>
       <p:ext uri="{BB962C8B-B14F-4D97-AF65-F5344CB8AC3E}">
-        <p14:creationId xmlns:p14="http://schemas.microsoft.com/office/powerpoint/2010/main" val="1766057859"/>
+        <p14:creationId xmlns:p14="http://schemas.microsoft.com/office/powerpoint/2010/main" val="2947799538"/>
       </p:ext>
     </p:extLst>
   </p:cSld>
   <p:clrMap bg1="lt1" tx1="dk1" bg2="lt2" tx2="dk2" accent1="accent1" accent2="accent2" accent3="accent3" accent4="accent4" accent5="accent5" accent6="accent6" hlink="hlink" folHlink="folHlink"/>
   <p:sldLayoutIdLst>
-    <p:sldLayoutId id="2147483649" r:id="rId1"/>
-    <p:sldLayoutId id="2147483650" r:id="rId2"/>
-    <p:sldLayoutId id="2147483651" r:id="rId3"/>
-    <p:sldLayoutId id="2147483652" r:id="rId4"/>
-    <p:sldLayoutId id="2147483653" r:id="rId5"/>
-    <p:sldLayoutId id="2147483654" r:id="rId6"/>
-    <p:sldLayoutId id="2147483655" r:id="rId7"/>
-    <p:sldLayoutId id="2147483656" r:id="rId8"/>
-    <p:sldLayoutId id="2147483657" r:id="rId9"/>
-    <p:sldLayoutId id="2147483658" r:id="rId10"/>
-    <p:sldLayoutId id="2147483659" r:id="rId11"/>
-    <p:sldLayoutId id="2147483660" r:id="rId12"/>
+    <p:sldLayoutId id="2147483690" r:id="rId1"/>
+    <p:sldLayoutId id="2147483691" r:id="rId2"/>
+    <p:sldLayoutId id="2147483692" r:id="rId3"/>
+    <p:sldLayoutId id="2147483693" r:id="rId4"/>
+    <p:sldLayoutId id="2147483694" r:id="rId5"/>
+    <p:sldLayoutId id="2147483695" r:id="rId6"/>
+    <p:sldLayoutId id="2147483696" r:id="rId7"/>
+    <p:sldLayoutId id="2147483697" r:id="rId8"/>
+    <p:sldLayoutId id="2147483698" r:id="rId9"/>
+    <p:sldLayoutId id="2147483699" r:id="rId10"/>
+    <p:sldLayoutId id="2147483700" r:id="rId11"/>
+    <p:sldLayoutId id="2147483701" r:id="rId12"/>
+    <p:sldLayoutId id="2147483702" r:id="rId13"/>
   </p:sldLayoutIdLst>
   <mc:AlternateContent xmlns:mc="http://schemas.openxmlformats.org/markup-compatibility/2006" xmlns:p14="http://schemas.microsoft.com/office/powerpoint/2010/main">
     <mc:Choice Requires="p14">
@@ -12383,14 +12742,6 @@
 <file path=ppt/slides/slide1.xml><?xml version="1.0" encoding="utf-8"?>
 <p:sld xmlns:a="http://schemas.openxmlformats.org/drawingml/2006/main" xmlns:r="http://schemas.openxmlformats.org/officeDocument/2006/relationships" xmlns:p="http://schemas.openxmlformats.org/presentationml/2006/main">
   <p:cSld>
-    <p:bg>
-      <p:bgPr>
-        <a:solidFill>
-          <a:srgbClr val="FFFAD4"/>
-        </a:solidFill>
-        <a:effectLst/>
-      </p:bgPr>
-    </p:bg>
     <p:spTree>
       <p:nvGrpSpPr>
         <p:cNvPr id="1" name=""/>
@@ -12423,20 +12774,20 @@
         </p:nvSpPr>
         <p:spPr>
           <a:xfrm>
-            <a:off x="-16934" y="3201698"/>
-            <a:ext cx="12208933" cy="1600200"/>
+            <a:off x="-17463" y="3644900"/>
+            <a:ext cx="12209463" cy="1600200"/>
           </a:xfrm>
-          <a:solidFill>
-            <a:srgbClr val="F6E979"/>
-          </a:solidFill>
+          <a:noFill/>
         </p:spPr>
         <p:txBody>
-          <a:bodyPr/>
+          <a:bodyPr>
+            <a:normAutofit/>
+          </a:bodyPr>
           <a:lstStyle/>
           <a:p>
             <a:pPr algn="ctr"/>
             <a:r>
-              <a:rPr lang="en-US" altLang="zh-CN" dirty="0">
+              <a:rPr lang="en-US" altLang="zh-CN" sz="4800" dirty="0">
                 <a:solidFill>
                   <a:schemeClr val="tx1">
                     <a:lumMod val="95000"/>
@@ -12456,7 +12807,7 @@
               <a:t>Python </a:t>
             </a:r>
             <a:r>
-              <a:rPr lang="zh-CN" altLang="en-US" dirty="0">
+              <a:rPr lang="zh-CN" altLang="en-US" sz="4800" dirty="0">
                 <a:solidFill>
                   <a:schemeClr val="tx1">
                     <a:lumMod val="95000"/>
@@ -12476,7 +12827,7 @@
               <a:t>编程：从入门到实践</a:t>
             </a:r>
             <a:br>
-              <a:rPr lang="en-US" altLang="zh-CN" dirty="0">
+              <a:rPr lang="en-US" altLang="zh-CN" sz="4800" dirty="0">
                 <a:solidFill>
                   <a:schemeClr val="tx1">
                     <a:lumMod val="95000"/>
@@ -12495,7 +12846,7 @@
               </a:rPr>
             </a:br>
             <a:r>
-              <a:rPr lang="zh-CN" altLang="en-US" dirty="0">
+              <a:rPr lang="zh-CN" altLang="en-US" sz="4800" dirty="0">
                 <a:solidFill>
                   <a:schemeClr val="tx1">
                     <a:lumMod val="95000"/>
@@ -12514,7 +12865,7 @@
               </a:rPr>
               <a:t>（第三版）</a:t>
             </a:r>
-            <a:endParaRPr lang="en-US" altLang="zh-CN" dirty="0">
+            <a:endParaRPr lang="en-US" altLang="zh-CN" sz="4800" dirty="0">
               <a:solidFill>
                 <a:schemeClr val="tx1">
                   <a:lumMod val="95000"/>
@@ -12550,8 +12901,8 @@
         </p:nvSpPr>
         <p:spPr bwMode="auto">
           <a:xfrm>
-            <a:off x="4559361" y="5491971"/>
-            <a:ext cx="3073277" cy="369332"/>
+            <a:off x="4304483" y="5491971"/>
+            <a:ext cx="3583033" cy="461665"/>
           </a:xfrm>
           <a:prstGeom prst="rect">
             <a:avLst/>
@@ -12601,8 +12952,8 @@
               <a:buNone/>
             </a:pPr>
             <a:r>
-              <a:rPr lang="en-US" altLang="zh-CN" b="1" dirty="0">
-                <a:latin typeface="Verdana" panose="020B0604030504040204" pitchFamily="34" charset="0"/>
+              <a:rPr lang="en-US" altLang="zh-CN" sz="2400" b="1" dirty="0">
+                <a:latin typeface="Consolas" panose="020B0609020204030204" pitchFamily="49" charset="0"/>
                 <a:ea typeface="Verdana" panose="020B0604030504040204" pitchFamily="34" charset="0"/>
               </a:rPr>
               <a:t>Teacher Name / Email</a:t>
@@ -12610,12 +12961,48 @@
           </a:p>
         </p:txBody>
       </p:sp>
-      <p:sp>
-        <p:nvSpPr>
-          <p:cNvPr id="3" name="矩形 2">
+      <p:pic>
+        <p:nvPicPr>
+          <p:cNvPr id="11" name="图片 10">
             <a:extLst>
               <a:ext uri="{FF2B5EF4-FFF2-40B4-BE49-F238E27FC236}">
-                <a16:creationId xmlns:a16="http://schemas.microsoft.com/office/drawing/2014/main" id="{C8068F35-EF78-6218-F528-48E9ED924DF4}"/>
+                <a16:creationId xmlns:a16="http://schemas.microsoft.com/office/drawing/2014/main" id="{4C6E84E5-1708-27F1-0BCD-1C6D65C46764}"/>
+              </a:ext>
+            </a:extLst>
+          </p:cNvPr>
+          <p:cNvPicPr>
+            <a:picLocks noChangeAspect="1"/>
+          </p:cNvPicPr>
+          <p:nvPr/>
+        </p:nvPicPr>
+        <p:blipFill>
+          <a:blip r:embed="rId3">
+            <a:extLst>
+              <a:ext uri="{28A0092B-C50C-407E-A947-70E740481C1C}">
+                <a14:useLocalDpi xmlns:a14="http://schemas.microsoft.com/office/drawing/2010/main" val="0"/>
+              </a:ext>
+            </a:extLst>
+          </a:blip>
+          <a:stretch>
+            <a:fillRect/>
+          </a:stretch>
+        </p:blipFill>
+        <p:spPr>
+          <a:xfrm>
+            <a:off x="4495458" y="804806"/>
+            <a:ext cx="3186567" cy="2591873"/>
+          </a:xfrm>
+          <a:prstGeom prst="rect">
+            <a:avLst/>
+          </a:prstGeom>
+        </p:spPr>
+      </p:pic>
+      <p:sp>
+        <p:nvSpPr>
+          <p:cNvPr id="4" name="矩形 3">
+            <a:extLst>
+              <a:ext uri="{FF2B5EF4-FFF2-40B4-BE49-F238E27FC236}">
+                <a16:creationId xmlns:a16="http://schemas.microsoft.com/office/drawing/2014/main" id="{75A0379E-3606-9AF4-7B2C-57E5B4C73ED1}"/>
               </a:ext>
             </a:extLst>
           </p:cNvPr>
@@ -12659,42 +13046,6 @@
           </a:p>
         </p:txBody>
       </p:sp>
-      <p:pic>
-        <p:nvPicPr>
-          <p:cNvPr id="11" name="图片 10">
-            <a:extLst>
-              <a:ext uri="{FF2B5EF4-FFF2-40B4-BE49-F238E27FC236}">
-                <a16:creationId xmlns:a16="http://schemas.microsoft.com/office/drawing/2014/main" id="{4C6E84E5-1708-27F1-0BCD-1C6D65C46764}"/>
-              </a:ext>
-            </a:extLst>
-          </p:cNvPr>
-          <p:cNvPicPr>
-            <a:picLocks noChangeAspect="1"/>
-          </p:cNvPicPr>
-          <p:nvPr/>
-        </p:nvPicPr>
-        <p:blipFill>
-          <a:blip r:embed="rId3">
-            <a:extLst>
-              <a:ext uri="{28A0092B-C50C-407E-A947-70E740481C1C}">
-                <a14:useLocalDpi xmlns:a14="http://schemas.microsoft.com/office/drawing/2010/main" val="0"/>
-              </a:ext>
-            </a:extLst>
-          </a:blip>
-          <a:stretch>
-            <a:fillRect/>
-          </a:stretch>
-        </p:blipFill>
-        <p:spPr>
-          <a:xfrm>
-            <a:off x="4488200" y="581078"/>
-            <a:ext cx="3186567" cy="2591873"/>
-          </a:xfrm>
-          <a:prstGeom prst="rect">
-            <a:avLst/>
-          </a:prstGeom>
-        </p:spPr>
-      </p:pic>
     </p:spTree>
   </p:cSld>
   <p:clrMapOvr>
@@ -12894,7 +13245,7 @@
         </p:blipFill>
         <p:spPr>
           <a:xfrm>
-            <a:off x="720441" y="2408238"/>
+            <a:off x="0" y="2408238"/>
             <a:ext cx="5303838" cy="3397250"/>
           </a:xfrm>
         </p:spPr>
@@ -13565,10 +13916,81 @@
           <a:chExt cx="0" cy="0"/>
         </a:xfrm>
       </p:grpSpPr>
+      <p:sp>
+        <p:nvSpPr>
+          <p:cNvPr id="2" name="标题 1">
+            <a:extLst>
+              <a:ext uri="{FF2B5EF4-FFF2-40B4-BE49-F238E27FC236}">
+                <a16:creationId xmlns:a16="http://schemas.microsoft.com/office/drawing/2014/main" id="{ABA783DF-49A6-7EF1-661E-C574E2C2F386}"/>
+              </a:ext>
+            </a:extLst>
+          </p:cNvPr>
+          <p:cNvSpPr>
+            <a:spLocks noGrp="1"/>
+          </p:cNvSpPr>
+          <p:nvPr>
+            <p:ph type="title"/>
+          </p:nvPr>
+        </p:nvSpPr>
+        <p:spPr/>
+        <p:txBody>
+          <a:bodyPr/>
+          <a:lstStyle/>
+          <a:p>
+            <a:r>
+              <a:rPr lang="en-US" altLang="zh-CN" dirty="0">
+                <a:effectLst>
+                  <a:outerShdw blurRad="38100" dist="38100" dir="2700000" algn="tl">
+                    <a:srgbClr val="000000">
+                      <a:alpha val="43137"/>
+                    </a:srgbClr>
+                  </a:outerShdw>
+                </a:effectLst>
+              </a:rPr>
+              <a:t>1.2 </a:t>
+            </a:r>
+            <a:r>
+              <a:rPr lang="zh-CN" altLang="en-US" dirty="0">
+                <a:effectLst>
+                  <a:outerShdw blurRad="38100" dist="38100" dir="2700000" algn="tl">
+                    <a:srgbClr val="000000">
+                      <a:alpha val="43137"/>
+                    </a:srgbClr>
+                  </a:outerShdw>
+                </a:effectLst>
+              </a:rPr>
+              <a:t>真假 </a:t>
+            </a:r>
+            <a:r>
+              <a:rPr lang="en-US" altLang="zh-CN" dirty="0">
+                <a:effectLst>
+                  <a:outerShdw blurRad="38100" dist="38100" dir="2700000" algn="tl">
+                    <a:srgbClr val="000000">
+                      <a:alpha val="43137"/>
+                    </a:srgbClr>
+                  </a:outerShdw>
+                </a:effectLst>
+                <a:latin typeface="+mj-lt"/>
+              </a:rPr>
+              <a:t>VS Code</a:t>
+            </a:r>
+            <a:endParaRPr lang="zh-CN" altLang="en-US" dirty="0">
+              <a:effectLst>
+                <a:outerShdw blurRad="38100" dist="38100" dir="2700000" algn="tl">
+                  <a:srgbClr val="000000">
+                    <a:alpha val="43137"/>
+                  </a:srgbClr>
+                </a:outerShdw>
+              </a:effectLst>
+              <a:latin typeface="+mj-lt"/>
+            </a:endParaRPr>
+          </a:p>
+        </p:txBody>
+      </p:sp>
       <p:pic>
         <p:nvPicPr>
           <p:cNvPr id="21" name="内容占位符 20">
-            <a:hlinkClick r:id="rId2"/>
+            <a:hlinkClick r:id="rId3"/>
             <a:extLst>
               <a:ext uri="{FF2B5EF4-FFF2-40B4-BE49-F238E27FC236}">
                 <a16:creationId xmlns:a16="http://schemas.microsoft.com/office/drawing/2014/main" id="{87C92696-2285-C2FB-D306-11BA00515544}"/>
@@ -13583,136 +14005,25 @@
           </p:nvPr>
         </p:nvPicPr>
         <p:blipFill>
-          <a:blip r:embed="rId3">
+          <a:blip r:embed="rId4">
             <a:extLst>
               <a:ext uri="{28A0092B-C50C-407E-A947-70E740481C1C}">
                 <a14:useLocalDpi xmlns:a14="http://schemas.microsoft.com/office/drawing/2010/main" val="0"/>
               </a:ext>
             </a:extLst>
           </a:blip>
-          <a:srcRect/>
           <a:stretch/>
         </p:blipFill>
         <p:spPr>
           <a:xfrm>
-            <a:off x="6788727" y="2317078"/>
-            <a:ext cx="5201497" cy="4043717"/>
+            <a:off x="3229552" y="1890713"/>
+            <a:ext cx="5732895" cy="4351337"/>
           </a:xfrm>
           <a:prstGeom prst="rect">
             <a:avLst/>
           </a:prstGeom>
         </p:spPr>
       </p:pic>
-      <p:sp>
-        <p:nvSpPr>
-          <p:cNvPr id="2" name="标题 1">
-            <a:extLst>
-              <a:ext uri="{FF2B5EF4-FFF2-40B4-BE49-F238E27FC236}">
-                <a16:creationId xmlns:a16="http://schemas.microsoft.com/office/drawing/2014/main" id="{ABA783DF-49A6-7EF1-661E-C574E2C2F386}"/>
-              </a:ext>
-            </a:extLst>
-          </p:cNvPr>
-          <p:cNvSpPr>
-            <a:spLocks noGrp="1"/>
-          </p:cNvSpPr>
-          <p:nvPr>
-            <p:ph type="title"/>
-          </p:nvPr>
-        </p:nvSpPr>
-        <p:spPr/>
-        <p:txBody>
-          <a:bodyPr/>
-          <a:lstStyle/>
-          <a:p>
-            <a:r>
-              <a:rPr lang="en-US" altLang="zh-CN" dirty="0">
-                <a:effectLst>
-                  <a:outerShdw blurRad="38100" dist="38100" dir="2700000" algn="tl">
-                    <a:srgbClr val="000000">
-                      <a:alpha val="43137"/>
-                    </a:srgbClr>
-                  </a:outerShdw>
-                </a:effectLst>
-              </a:rPr>
-              <a:t>1.2 </a:t>
-            </a:r>
-            <a:r>
-              <a:rPr lang="zh-CN" altLang="en-US" dirty="0">
-                <a:effectLst>
-                  <a:outerShdw blurRad="38100" dist="38100" dir="2700000" algn="tl">
-                    <a:srgbClr val="000000">
-                      <a:alpha val="43137"/>
-                    </a:srgbClr>
-                  </a:outerShdw>
-                </a:effectLst>
-              </a:rPr>
-              <a:t>真假 </a:t>
-            </a:r>
-            <a:r>
-              <a:rPr lang="en-US" altLang="zh-CN" dirty="0">
-                <a:effectLst>
-                  <a:outerShdw blurRad="38100" dist="38100" dir="2700000" algn="tl">
-                    <a:srgbClr val="000000">
-                      <a:alpha val="43137"/>
-                    </a:srgbClr>
-                  </a:outerShdw>
-                </a:effectLst>
-                <a:latin typeface="+mj-lt"/>
-              </a:rPr>
-              <a:t>VS Code</a:t>
-            </a:r>
-            <a:endParaRPr lang="zh-CN" altLang="en-US" dirty="0">
-              <a:effectLst>
-                <a:outerShdw blurRad="38100" dist="38100" dir="2700000" algn="tl">
-                  <a:srgbClr val="000000">
-                    <a:alpha val="43137"/>
-                  </a:srgbClr>
-                </a:outerShdw>
-              </a:effectLst>
-              <a:latin typeface="+mj-lt"/>
-            </a:endParaRPr>
-          </a:p>
-        </p:txBody>
-      </p:sp>
-      <p:sp>
-        <p:nvSpPr>
-          <p:cNvPr id="8" name="内容占位符 7">
-            <a:extLst>
-              <a:ext uri="{FF2B5EF4-FFF2-40B4-BE49-F238E27FC236}">
-                <a16:creationId xmlns:a16="http://schemas.microsoft.com/office/drawing/2014/main" id="{4EC194EB-1593-CBF2-055D-77D4ADFC943F}"/>
-              </a:ext>
-            </a:extLst>
-          </p:cNvPr>
-          <p:cNvSpPr>
-            <a:spLocks noGrp="1"/>
-          </p:cNvSpPr>
-          <p:nvPr>
-            <p:ph type="body" idx="4294967295"/>
-          </p:nvPr>
-        </p:nvSpPr>
-        <p:spPr>
-          <a:xfrm>
-            <a:off x="576350" y="1763773"/>
-            <a:ext cx="10515600" cy="1090264"/>
-          </a:xfrm>
-        </p:spPr>
-        <p:txBody>
-          <a:bodyPr/>
-          <a:lstStyle/>
-          <a:p>
-            <a:pPr marL="0" indent="0">
-              <a:buNone/>
-            </a:pPr>
-            <a:r>
-              <a:rPr lang="en-US" altLang="zh-CN" dirty="0">
-                <a:hlinkClick r:id="rId4"/>
-              </a:rPr>
-              <a:t>https://code.visualstudio.com/</a:t>
-            </a:r>
-            <a:endParaRPr lang="zh-CN" altLang="en-US" dirty="0"/>
-          </a:p>
-        </p:txBody>
-      </p:sp>
       <p:sp>
         <p:nvSpPr>
           <p:cNvPr id="14" name="文本框 13">
@@ -13811,7 +14122,7 @@
         </p:nvSpPr>
         <p:spPr>
           <a:xfrm>
-            <a:off x="7438431" y="1816890"/>
+            <a:off x="7674102" y="1485741"/>
             <a:ext cx="3890709" cy="400110"/>
           </a:xfrm>
           <a:prstGeom prst="rect">
@@ -15752,7 +16063,6 @@
               </a:ext>
             </a:extLst>
           </a:blip>
-          <a:srcRect/>
           <a:stretch/>
         </p:blipFill>
         <p:spPr>
@@ -15806,6 +16116,36 @@
       </p:grpSpPr>
       <p:sp>
         <p:nvSpPr>
+          <p:cNvPr id="5" name="标题 4">
+            <a:extLst>
+              <a:ext uri="{FF2B5EF4-FFF2-40B4-BE49-F238E27FC236}">
+                <a16:creationId xmlns:a16="http://schemas.microsoft.com/office/drawing/2014/main" id="{14B5F31E-85DD-B8D9-9ED7-E32A03C57260}"/>
+              </a:ext>
+            </a:extLst>
+          </p:cNvPr>
+          <p:cNvSpPr>
+            <a:spLocks noGrp="1"/>
+          </p:cNvSpPr>
+          <p:nvPr>
+            <p:ph type="title"/>
+          </p:nvPr>
+        </p:nvSpPr>
+        <p:spPr/>
+        <p:txBody>
+          <a:bodyPr/>
+          <a:lstStyle/>
+          <a:p>
+            <a:r>
+              <a:rPr lang="zh-CN" altLang="en-US" dirty="0">
+                <a:latin typeface="华文琥珀" panose="02010800040101010101" pitchFamily="2" charset="-122"/>
+              </a:rPr>
+              <a:t>关于本讲义</a:t>
+            </a:r>
+          </a:p>
+        </p:txBody>
+      </p:sp>
+      <p:sp>
+        <p:nvSpPr>
           <p:cNvPr id="3" name="内容占位符 2">
             <a:extLst>
               <a:ext uri="{FF2B5EF4-FFF2-40B4-BE49-F238E27FC236}">
@@ -15945,36 +16285,6 @@
             <a:r>
               <a:rPr lang="en-US" altLang="zh-CN" dirty="0"/>
               <a:t>@Scruel Tao</a:t>
-            </a:r>
-          </a:p>
-        </p:txBody>
-      </p:sp>
-      <p:sp>
-        <p:nvSpPr>
-          <p:cNvPr id="5" name="标题 4">
-            <a:extLst>
-              <a:ext uri="{FF2B5EF4-FFF2-40B4-BE49-F238E27FC236}">
-                <a16:creationId xmlns:a16="http://schemas.microsoft.com/office/drawing/2014/main" id="{14B5F31E-85DD-B8D9-9ED7-E32A03C57260}"/>
-              </a:ext>
-            </a:extLst>
-          </p:cNvPr>
-          <p:cNvSpPr>
-            <a:spLocks noGrp="1"/>
-          </p:cNvSpPr>
-          <p:nvPr>
-            <p:ph type="title"/>
-          </p:nvPr>
-        </p:nvSpPr>
-        <p:spPr/>
-        <p:txBody>
-          <a:bodyPr/>
-          <a:lstStyle/>
-          <a:p>
-            <a:r>
-              <a:rPr lang="zh-CN" altLang="en-US" dirty="0">
-                <a:latin typeface="华文琥珀" panose="02010800040101010101" pitchFamily="2" charset="-122"/>
-              </a:rPr>
-              <a:t>关于本讲义</a:t>
             </a:r>
           </a:p>
         </p:txBody>
@@ -16659,13 +16969,12 @@
               </a:ext>
             </a:extLst>
           </a:blip>
-          <a:srcRect/>
           <a:stretch/>
         </p:blipFill>
         <p:spPr>
           <a:xfrm>
             <a:off x="6667318" y="2250123"/>
-            <a:ext cx="4400931" cy="3840813"/>
+            <a:ext cx="4191363" cy="3657917"/>
           </a:xfrm>
         </p:spPr>
       </p:pic>
@@ -17099,7 +17408,7 @@
         <p:spPr>
           <a:xfrm>
             <a:off x="6667318" y="2250123"/>
-            <a:ext cx="4400931" cy="3840813"/>
+            <a:ext cx="4191363" cy="3657917"/>
           </a:xfrm>
         </p:spPr>
       </p:pic>
@@ -17248,49 +17557,6 @@
           </a:p>
         </p:txBody>
       </p:sp>
-      <p:sp>
-        <p:nvSpPr>
-          <p:cNvPr id="6" name="文本框 5">
-            <a:extLst>
-              <a:ext uri="{FF2B5EF4-FFF2-40B4-BE49-F238E27FC236}">
-                <a16:creationId xmlns:a16="http://schemas.microsoft.com/office/drawing/2014/main" id="{446DB7A6-FEBA-3FD3-6743-1F2AC323733E}"/>
-              </a:ext>
-            </a:extLst>
-          </p:cNvPr>
-          <p:cNvSpPr txBox="1"/>
-          <p:nvPr/>
-        </p:nvSpPr>
-        <p:spPr>
-          <a:xfrm>
-            <a:off x="948505" y="2399987"/>
-            <a:ext cx="4960989" cy="461665"/>
-          </a:xfrm>
-          <a:prstGeom prst="rect">
-            <a:avLst/>
-          </a:prstGeom>
-          <a:noFill/>
-        </p:spPr>
-        <p:txBody>
-          <a:bodyPr wrap="square">
-            <a:spAutoFit/>
-          </a:bodyPr>
-          <a:lstStyle/>
-          <a:p>
-            <a:pPr marL="0" indent="0">
-              <a:buNone/>
-            </a:pPr>
-            <a:r>
-              <a:rPr lang="en-US" altLang="zh-CN" sz="2400" b="1" dirty="0">
-                <a:highlight>
-                  <a:srgbClr val="F0F0F0"/>
-                </a:highlight>
-                <a:latin typeface="Consolas" panose="020B0609020204030204" pitchFamily="49" charset="0"/>
-              </a:rPr>
-              <a:t>print("Hello Python world!")</a:t>
-            </a:r>
-          </a:p>
-        </p:txBody>
-      </p:sp>
       <p:pic>
         <p:nvPicPr>
           <p:cNvPr id="8" name="内容占位符 7">
@@ -17315,16 +17581,58 @@
               </a:ext>
             </a:extLst>
           </a:blip>
-          <a:srcRect/>
           <a:stretch/>
         </p:blipFill>
         <p:spPr>
           <a:xfrm>
             <a:off x="6667318" y="2250123"/>
-            <a:ext cx="4400931" cy="3840813"/>
+            <a:ext cx="4191363" cy="3657917"/>
           </a:xfrm>
         </p:spPr>
       </p:pic>
+      <p:sp>
+        <p:nvSpPr>
+          <p:cNvPr id="6" name="文本框 5">
+            <a:extLst>
+              <a:ext uri="{FF2B5EF4-FFF2-40B4-BE49-F238E27FC236}">
+                <a16:creationId xmlns:a16="http://schemas.microsoft.com/office/drawing/2014/main" id="{446DB7A6-FEBA-3FD3-6743-1F2AC323733E}"/>
+              </a:ext>
+            </a:extLst>
+          </p:cNvPr>
+          <p:cNvSpPr txBox="1"/>
+          <p:nvPr/>
+        </p:nvSpPr>
+        <p:spPr>
+          <a:xfrm>
+            <a:off x="948505" y="2399987"/>
+            <a:ext cx="4960989" cy="461665"/>
+          </a:xfrm>
+          <a:prstGeom prst="rect">
+            <a:avLst/>
+          </a:prstGeom>
+          <a:noFill/>
+        </p:spPr>
+        <p:txBody>
+          <a:bodyPr wrap="square">
+            <a:spAutoFit/>
+          </a:bodyPr>
+          <a:lstStyle/>
+          <a:p>
+            <a:pPr marL="0" indent="0">
+              <a:buNone/>
+            </a:pPr>
+            <a:r>
+              <a:rPr lang="en-US" altLang="zh-CN" sz="2400" b="1" dirty="0">
+                <a:highlight>
+                  <a:srgbClr val="F0F0F0"/>
+                </a:highlight>
+                <a:latin typeface="Consolas" panose="020B0609020204030204" pitchFamily="49" charset="0"/>
+              </a:rPr>
+              <a:t>print("Hello Python world!")</a:t>
+            </a:r>
+          </a:p>
+        </p:txBody>
+      </p:sp>
     </p:spTree>
     <p:extLst>
       <p:ext uri="{BB962C8B-B14F-4D97-AF65-F5344CB8AC3E}">
@@ -17499,54 +17807,6 @@
           </a:p>
         </p:txBody>
       </p:sp>
-      <p:sp>
-        <p:nvSpPr>
-          <p:cNvPr id="6" name="文本框 5">
-            <a:extLst>
-              <a:ext uri="{FF2B5EF4-FFF2-40B4-BE49-F238E27FC236}">
-                <a16:creationId xmlns:a16="http://schemas.microsoft.com/office/drawing/2014/main" id="{446DB7A6-FEBA-3FD3-6743-1F2AC323733E}"/>
-              </a:ext>
-            </a:extLst>
-          </p:cNvPr>
-          <p:cNvSpPr txBox="1"/>
-          <p:nvPr/>
-        </p:nvSpPr>
-        <p:spPr>
-          <a:xfrm>
-            <a:off x="948505" y="2399987"/>
-            <a:ext cx="4960989" cy="461665"/>
-          </a:xfrm>
-          <a:prstGeom prst="rect">
-            <a:avLst/>
-          </a:prstGeom>
-          <a:noFill/>
-        </p:spPr>
-        <p:txBody>
-          <a:bodyPr wrap="square">
-            <a:spAutoFit/>
-          </a:bodyPr>
-          <a:lstStyle/>
-          <a:p>
-            <a:pPr marL="0" indent="0">
-              <a:buNone/>
-            </a:pPr>
-            <a:r>
-              <a:rPr lang="en-US" altLang="zh-CN" sz="2400" b="1" dirty="0">
-                <a:solidFill>
-                  <a:schemeClr val="bg1">
-                    <a:lumMod val="65000"/>
-                  </a:schemeClr>
-                </a:solidFill>
-                <a:highlight>
-                  <a:srgbClr val="F0F0F0"/>
-                </a:highlight>
-                <a:latin typeface="Consolas" panose="020B0609020204030204" pitchFamily="49" charset="0"/>
-              </a:rPr>
-              <a:t>print("Hello Python world!")</a:t>
-            </a:r>
-          </a:p>
-        </p:txBody>
-      </p:sp>
       <p:pic>
         <p:nvPicPr>
           <p:cNvPr id="9" name="内容占位符 8">
@@ -17571,16 +17831,63 @@
               </a:ext>
             </a:extLst>
           </a:blip>
-          <a:srcRect b="45816"/>
           <a:stretch/>
         </p:blipFill>
         <p:spPr>
           <a:xfrm>
-            <a:off x="6668492" y="2257575"/>
-            <a:ext cx="4400931" cy="3850046"/>
+            <a:off x="7415458" y="1903413"/>
+            <a:ext cx="2695084" cy="4351337"/>
           </a:xfrm>
         </p:spPr>
       </p:pic>
+      <p:sp>
+        <p:nvSpPr>
+          <p:cNvPr id="6" name="文本框 5">
+            <a:extLst>
+              <a:ext uri="{FF2B5EF4-FFF2-40B4-BE49-F238E27FC236}">
+                <a16:creationId xmlns:a16="http://schemas.microsoft.com/office/drawing/2014/main" id="{446DB7A6-FEBA-3FD3-6743-1F2AC323733E}"/>
+              </a:ext>
+            </a:extLst>
+          </p:cNvPr>
+          <p:cNvSpPr txBox="1"/>
+          <p:nvPr/>
+        </p:nvSpPr>
+        <p:spPr>
+          <a:xfrm>
+            <a:off x="948505" y="2399987"/>
+            <a:ext cx="4960989" cy="461665"/>
+          </a:xfrm>
+          <a:prstGeom prst="rect">
+            <a:avLst/>
+          </a:prstGeom>
+          <a:noFill/>
+        </p:spPr>
+        <p:txBody>
+          <a:bodyPr wrap="square">
+            <a:spAutoFit/>
+          </a:bodyPr>
+          <a:lstStyle/>
+          <a:p>
+            <a:pPr marL="0" indent="0">
+              <a:buNone/>
+            </a:pPr>
+            <a:r>
+              <a:rPr lang="en-US" altLang="zh-CN" sz="2400" b="1" dirty="0">
+                <a:solidFill>
+                  <a:schemeClr val="bg1">
+                    <a:lumMod val="65000"/>
+                  </a:schemeClr>
+                </a:solidFill>
+                <a:highlight>
+                  <a:srgbClr val="F0F0F0"/>
+                </a:highlight>
+                <a:latin typeface="Consolas" panose="020B0609020204030204" pitchFamily="49" charset="0"/>
+              </a:rPr>
+              <a:t>print("Hello Python world!")</a:t>
+            </a:r>
+          </a:p>
+        </p:txBody>
+      </p:sp>
     </p:spTree>
     <p:extLst>
       <p:ext uri="{BB962C8B-B14F-4D97-AF65-F5344CB8AC3E}">
@@ -17764,54 +18071,6 @@
           </a:p>
         </p:txBody>
       </p:sp>
-      <p:sp>
-        <p:nvSpPr>
-          <p:cNvPr id="6" name="文本框 5">
-            <a:extLst>
-              <a:ext uri="{FF2B5EF4-FFF2-40B4-BE49-F238E27FC236}">
-                <a16:creationId xmlns:a16="http://schemas.microsoft.com/office/drawing/2014/main" id="{446DB7A6-FEBA-3FD3-6743-1F2AC323733E}"/>
-              </a:ext>
-            </a:extLst>
-          </p:cNvPr>
-          <p:cNvSpPr txBox="1"/>
-          <p:nvPr/>
-        </p:nvSpPr>
-        <p:spPr>
-          <a:xfrm>
-            <a:off x="948505" y="2399987"/>
-            <a:ext cx="4960989" cy="461665"/>
-          </a:xfrm>
-          <a:prstGeom prst="rect">
-            <a:avLst/>
-          </a:prstGeom>
-          <a:noFill/>
-        </p:spPr>
-        <p:txBody>
-          <a:bodyPr wrap="square">
-            <a:spAutoFit/>
-          </a:bodyPr>
-          <a:lstStyle/>
-          <a:p>
-            <a:pPr marL="0" indent="0">
-              <a:buNone/>
-            </a:pPr>
-            <a:r>
-              <a:rPr lang="en-US" altLang="zh-CN" sz="2400" b="1" dirty="0">
-                <a:solidFill>
-                  <a:schemeClr val="bg1">
-                    <a:lumMod val="65000"/>
-                  </a:schemeClr>
-                </a:solidFill>
-                <a:highlight>
-                  <a:srgbClr val="F0F0F0"/>
-                </a:highlight>
-                <a:latin typeface="Consolas" panose="020B0609020204030204" pitchFamily="49" charset="0"/>
-              </a:rPr>
-              <a:t>print("Hello Python world!")</a:t>
-            </a:r>
-          </a:p>
-        </p:txBody>
-      </p:sp>
       <p:pic>
         <p:nvPicPr>
           <p:cNvPr id="9" name="内容占位符 8">
@@ -17836,16 +18095,63 @@
               </a:ext>
             </a:extLst>
           </a:blip>
-          <a:srcRect t="28683" b="17745"/>
           <a:stretch/>
         </p:blipFill>
         <p:spPr>
           <a:xfrm>
-            <a:off x="6681373" y="2273116"/>
-            <a:ext cx="4400931" cy="3806560"/>
+            <a:off x="7415458" y="1903413"/>
+            <a:ext cx="2695084" cy="4351337"/>
           </a:xfrm>
         </p:spPr>
       </p:pic>
+      <p:sp>
+        <p:nvSpPr>
+          <p:cNvPr id="6" name="文本框 5">
+            <a:extLst>
+              <a:ext uri="{FF2B5EF4-FFF2-40B4-BE49-F238E27FC236}">
+                <a16:creationId xmlns:a16="http://schemas.microsoft.com/office/drawing/2014/main" id="{446DB7A6-FEBA-3FD3-6743-1F2AC323733E}"/>
+              </a:ext>
+            </a:extLst>
+          </p:cNvPr>
+          <p:cNvSpPr txBox="1"/>
+          <p:nvPr/>
+        </p:nvSpPr>
+        <p:spPr>
+          <a:xfrm>
+            <a:off x="948505" y="2399987"/>
+            <a:ext cx="4960989" cy="461665"/>
+          </a:xfrm>
+          <a:prstGeom prst="rect">
+            <a:avLst/>
+          </a:prstGeom>
+          <a:noFill/>
+        </p:spPr>
+        <p:txBody>
+          <a:bodyPr wrap="square">
+            <a:spAutoFit/>
+          </a:bodyPr>
+          <a:lstStyle/>
+          <a:p>
+            <a:pPr marL="0" indent="0">
+              <a:buNone/>
+            </a:pPr>
+            <a:r>
+              <a:rPr lang="en-US" altLang="zh-CN" sz="2400" b="1" dirty="0">
+                <a:solidFill>
+                  <a:schemeClr val="bg1">
+                    <a:lumMod val="65000"/>
+                  </a:schemeClr>
+                </a:solidFill>
+                <a:highlight>
+                  <a:srgbClr val="F0F0F0"/>
+                </a:highlight>
+                <a:latin typeface="Consolas" panose="020B0609020204030204" pitchFamily="49" charset="0"/>
+              </a:rPr>
+              <a:t>print("Hello Python world!")</a:t>
+            </a:r>
+          </a:p>
+        </p:txBody>
+      </p:sp>
     </p:spTree>
     <p:extLst>
       <p:ext uri="{BB962C8B-B14F-4D97-AF65-F5344CB8AC3E}">
@@ -18047,54 +18353,6 @@
           </a:p>
         </p:txBody>
       </p:sp>
-      <p:sp>
-        <p:nvSpPr>
-          <p:cNvPr id="6" name="文本框 5">
-            <a:extLst>
-              <a:ext uri="{FF2B5EF4-FFF2-40B4-BE49-F238E27FC236}">
-                <a16:creationId xmlns:a16="http://schemas.microsoft.com/office/drawing/2014/main" id="{446DB7A6-FEBA-3FD3-6743-1F2AC323733E}"/>
-              </a:ext>
-            </a:extLst>
-          </p:cNvPr>
-          <p:cNvSpPr txBox="1"/>
-          <p:nvPr/>
-        </p:nvSpPr>
-        <p:spPr>
-          <a:xfrm>
-            <a:off x="948505" y="2399987"/>
-            <a:ext cx="4960989" cy="461665"/>
-          </a:xfrm>
-          <a:prstGeom prst="rect">
-            <a:avLst/>
-          </a:prstGeom>
-          <a:noFill/>
-        </p:spPr>
-        <p:txBody>
-          <a:bodyPr wrap="square">
-            <a:spAutoFit/>
-          </a:bodyPr>
-          <a:lstStyle/>
-          <a:p>
-            <a:pPr marL="0" indent="0">
-              <a:buNone/>
-            </a:pPr>
-            <a:r>
-              <a:rPr lang="en-US" altLang="zh-CN" sz="2400" b="1" dirty="0">
-                <a:solidFill>
-                  <a:schemeClr val="bg1">
-                    <a:lumMod val="65000"/>
-                  </a:schemeClr>
-                </a:solidFill>
-                <a:highlight>
-                  <a:srgbClr val="F0F0F0"/>
-                </a:highlight>
-                <a:latin typeface="Consolas" panose="020B0609020204030204" pitchFamily="49" charset="0"/>
-              </a:rPr>
-              <a:t>print("Hello Python world!")</a:t>
-            </a:r>
-          </a:p>
-        </p:txBody>
-      </p:sp>
       <p:pic>
         <p:nvPicPr>
           <p:cNvPr id="7" name="内容占位符 8">
@@ -18119,19 +18377,66 @@
               </a:ext>
             </a:extLst>
           </a:blip>
-          <a:srcRect t="45391" b="-1"/>
           <a:stretch/>
         </p:blipFill>
         <p:spPr>
           <a:xfrm>
-            <a:off x="6667318" y="2231312"/>
-            <a:ext cx="4400931" cy="3880315"/>
+            <a:off x="7415458" y="1903413"/>
+            <a:ext cx="2695084" cy="4351337"/>
           </a:xfrm>
           <a:prstGeom prst="rect">
             <a:avLst/>
           </a:prstGeom>
         </p:spPr>
       </p:pic>
+      <p:sp>
+        <p:nvSpPr>
+          <p:cNvPr id="6" name="文本框 5">
+            <a:extLst>
+              <a:ext uri="{FF2B5EF4-FFF2-40B4-BE49-F238E27FC236}">
+                <a16:creationId xmlns:a16="http://schemas.microsoft.com/office/drawing/2014/main" id="{446DB7A6-FEBA-3FD3-6743-1F2AC323733E}"/>
+              </a:ext>
+            </a:extLst>
+          </p:cNvPr>
+          <p:cNvSpPr txBox="1"/>
+          <p:nvPr/>
+        </p:nvSpPr>
+        <p:spPr>
+          <a:xfrm>
+            <a:off x="948505" y="2399987"/>
+            <a:ext cx="4960989" cy="461665"/>
+          </a:xfrm>
+          <a:prstGeom prst="rect">
+            <a:avLst/>
+          </a:prstGeom>
+          <a:noFill/>
+        </p:spPr>
+        <p:txBody>
+          <a:bodyPr wrap="square">
+            <a:spAutoFit/>
+          </a:bodyPr>
+          <a:lstStyle/>
+          <a:p>
+            <a:pPr marL="0" indent="0">
+              <a:buNone/>
+            </a:pPr>
+            <a:r>
+              <a:rPr lang="en-US" altLang="zh-CN" sz="2400" b="1" dirty="0">
+                <a:solidFill>
+                  <a:schemeClr val="bg1">
+                    <a:lumMod val="65000"/>
+                  </a:schemeClr>
+                </a:solidFill>
+                <a:highlight>
+                  <a:srgbClr val="F0F0F0"/>
+                </a:highlight>
+                <a:latin typeface="Consolas" panose="020B0609020204030204" pitchFamily="49" charset="0"/>
+              </a:rPr>
+              <a:t>print("Hello Python world!")</a:t>
+            </a:r>
+          </a:p>
+        </p:txBody>
+      </p:sp>
     </p:spTree>
     <p:extLst>
       <p:ext uri="{BB962C8B-B14F-4D97-AF65-F5344CB8AC3E}">
@@ -18410,54 +18715,6 @@
           </a:p>
         </p:txBody>
       </p:sp>
-      <p:sp>
-        <p:nvSpPr>
-          <p:cNvPr id="3" name="文本框 2">
-            <a:extLst>
-              <a:ext uri="{FF2B5EF4-FFF2-40B4-BE49-F238E27FC236}">
-                <a16:creationId xmlns:a16="http://schemas.microsoft.com/office/drawing/2014/main" id="{06BBC610-73D8-133D-0926-4B6DAAD664C2}"/>
-              </a:ext>
-            </a:extLst>
-          </p:cNvPr>
-          <p:cNvSpPr txBox="1"/>
-          <p:nvPr/>
-        </p:nvSpPr>
-        <p:spPr>
-          <a:xfrm>
-            <a:off x="948505" y="2399987"/>
-            <a:ext cx="4960989" cy="461665"/>
-          </a:xfrm>
-          <a:prstGeom prst="rect">
-            <a:avLst/>
-          </a:prstGeom>
-          <a:noFill/>
-        </p:spPr>
-        <p:txBody>
-          <a:bodyPr wrap="square">
-            <a:spAutoFit/>
-          </a:bodyPr>
-          <a:lstStyle/>
-          <a:p>
-            <a:pPr marL="0" indent="0">
-              <a:buNone/>
-            </a:pPr>
-            <a:r>
-              <a:rPr lang="en-US" altLang="zh-CN" sz="2400" b="1" dirty="0">
-                <a:solidFill>
-                  <a:schemeClr val="bg1">
-                    <a:lumMod val="65000"/>
-                  </a:schemeClr>
-                </a:solidFill>
-                <a:highlight>
-                  <a:srgbClr val="F0F0F0"/>
-                </a:highlight>
-                <a:latin typeface="Consolas" panose="020B0609020204030204" pitchFamily="49" charset="0"/>
-              </a:rPr>
-              <a:t>print("Hello Python world!")</a:t>
-            </a:r>
-          </a:p>
-        </p:txBody>
-      </p:sp>
       <p:pic>
         <p:nvPicPr>
           <p:cNvPr id="9" name="内容占位符 8">
@@ -18489,10 +18746,58 @@
         <p:spPr>
           <a:xfrm>
             <a:off x="6667318" y="2250123"/>
-            <a:ext cx="4400931" cy="3840813"/>
+            <a:ext cx="4191363" cy="3657917"/>
           </a:xfrm>
         </p:spPr>
       </p:pic>
+      <p:sp>
+        <p:nvSpPr>
+          <p:cNvPr id="3" name="文本框 2">
+            <a:extLst>
+              <a:ext uri="{FF2B5EF4-FFF2-40B4-BE49-F238E27FC236}">
+                <a16:creationId xmlns:a16="http://schemas.microsoft.com/office/drawing/2014/main" id="{06BBC610-73D8-133D-0926-4B6DAAD664C2}"/>
+              </a:ext>
+            </a:extLst>
+          </p:cNvPr>
+          <p:cNvSpPr txBox="1"/>
+          <p:nvPr/>
+        </p:nvSpPr>
+        <p:spPr>
+          <a:xfrm>
+            <a:off x="948505" y="2399987"/>
+            <a:ext cx="4960989" cy="461665"/>
+          </a:xfrm>
+          <a:prstGeom prst="rect">
+            <a:avLst/>
+          </a:prstGeom>
+          <a:noFill/>
+        </p:spPr>
+        <p:txBody>
+          <a:bodyPr wrap="square">
+            <a:spAutoFit/>
+          </a:bodyPr>
+          <a:lstStyle/>
+          <a:p>
+            <a:pPr marL="0" indent="0">
+              <a:buNone/>
+            </a:pPr>
+            <a:r>
+              <a:rPr lang="en-US" altLang="zh-CN" sz="2400" b="1" dirty="0">
+                <a:solidFill>
+                  <a:schemeClr val="bg1">
+                    <a:lumMod val="65000"/>
+                  </a:schemeClr>
+                </a:solidFill>
+                <a:highlight>
+                  <a:srgbClr val="F0F0F0"/>
+                </a:highlight>
+                <a:latin typeface="Consolas" panose="020B0609020204030204" pitchFamily="49" charset="0"/>
+              </a:rPr>
+              <a:t>print("Hello Python world!")</a:t>
+            </a:r>
+          </a:p>
+        </p:txBody>
+      </p:sp>
     </p:spTree>
     <p:extLst>
       <p:ext uri="{BB962C8B-B14F-4D97-AF65-F5344CB8AC3E}">
@@ -18810,97 +19115,6 @@
           </a:p>
         </p:txBody>
       </p:sp>
-      <p:sp>
-        <p:nvSpPr>
-          <p:cNvPr id="3" name="文本框 2">
-            <a:extLst>
-              <a:ext uri="{FF2B5EF4-FFF2-40B4-BE49-F238E27FC236}">
-                <a16:creationId xmlns:a16="http://schemas.microsoft.com/office/drawing/2014/main" id="{758FEE91-E006-78B4-7371-44F05CE1873F}"/>
-              </a:ext>
-            </a:extLst>
-          </p:cNvPr>
-          <p:cNvSpPr txBox="1"/>
-          <p:nvPr/>
-        </p:nvSpPr>
-        <p:spPr>
-          <a:xfrm>
-            <a:off x="2055948" y="5870818"/>
-            <a:ext cx="2746102" cy="584775"/>
-          </a:xfrm>
-          <a:prstGeom prst="rect">
-            <a:avLst/>
-          </a:prstGeom>
-          <a:noFill/>
-        </p:spPr>
-        <p:txBody>
-          <a:bodyPr wrap="square" rtlCol="0">
-            <a:spAutoFit/>
-          </a:bodyPr>
-          <a:lstStyle/>
-          <a:p>
-            <a:r>
-              <a:rPr lang="zh-CN" altLang="en-US" sz="3200" b="1" i="1" dirty="0">
-                <a:solidFill>
-                  <a:schemeClr val="accent2">
-                    <a:lumMod val="75000"/>
-                  </a:schemeClr>
-                </a:solidFill>
-                <a:latin typeface="微软雅黑" panose="020B0503020204020204" pitchFamily="34" charset="-122"/>
-                <a:ea typeface="微软雅黑" panose="020B0503020204020204" pitchFamily="34" charset="-122"/>
-              </a:rPr>
-              <a:t>遇到了问题？</a:t>
-            </a:r>
-          </a:p>
-        </p:txBody>
-      </p:sp>
-      <p:sp>
-        <p:nvSpPr>
-          <p:cNvPr id="4" name="文本框 3">
-            <a:extLst>
-              <a:ext uri="{FF2B5EF4-FFF2-40B4-BE49-F238E27FC236}">
-                <a16:creationId xmlns:a16="http://schemas.microsoft.com/office/drawing/2014/main" id="{4328CDCF-210E-0D00-60CB-3A3ECF7ECEA1}"/>
-              </a:ext>
-            </a:extLst>
-          </p:cNvPr>
-          <p:cNvSpPr txBox="1"/>
-          <p:nvPr/>
-        </p:nvSpPr>
-        <p:spPr>
-          <a:xfrm>
-            <a:off x="948505" y="2399987"/>
-            <a:ext cx="4960989" cy="461665"/>
-          </a:xfrm>
-          <a:prstGeom prst="rect">
-            <a:avLst/>
-          </a:prstGeom>
-          <a:noFill/>
-        </p:spPr>
-        <p:txBody>
-          <a:bodyPr wrap="square">
-            <a:spAutoFit/>
-          </a:bodyPr>
-          <a:lstStyle/>
-          <a:p>
-            <a:pPr marL="0" indent="0">
-              <a:buNone/>
-            </a:pPr>
-            <a:r>
-              <a:rPr lang="en-US" altLang="zh-CN" sz="2400" b="1" dirty="0">
-                <a:solidFill>
-                  <a:schemeClr val="bg1">
-                    <a:lumMod val="65000"/>
-                  </a:schemeClr>
-                </a:solidFill>
-                <a:highlight>
-                  <a:srgbClr val="F0F0F0"/>
-                </a:highlight>
-                <a:latin typeface="Consolas" panose="020B0609020204030204" pitchFamily="49" charset="0"/>
-              </a:rPr>
-              <a:t>print("Hello Python world!")</a:t>
-            </a:r>
-          </a:p>
-        </p:txBody>
-      </p:sp>
       <p:pic>
         <p:nvPicPr>
           <p:cNvPr id="10" name="内容占位符 9">
@@ -18932,10 +19146,101 @@
         <p:spPr>
           <a:xfrm>
             <a:off x="6667318" y="2250123"/>
-            <a:ext cx="4400931" cy="3840813"/>
+            <a:ext cx="4191363" cy="3657917"/>
           </a:xfrm>
         </p:spPr>
       </p:pic>
+      <p:sp>
+        <p:nvSpPr>
+          <p:cNvPr id="3" name="文本框 2">
+            <a:extLst>
+              <a:ext uri="{FF2B5EF4-FFF2-40B4-BE49-F238E27FC236}">
+                <a16:creationId xmlns:a16="http://schemas.microsoft.com/office/drawing/2014/main" id="{758FEE91-E006-78B4-7371-44F05CE1873F}"/>
+              </a:ext>
+            </a:extLst>
+          </p:cNvPr>
+          <p:cNvSpPr txBox="1"/>
+          <p:nvPr/>
+        </p:nvSpPr>
+        <p:spPr>
+          <a:xfrm>
+            <a:off x="2055948" y="5870818"/>
+            <a:ext cx="2746102" cy="584775"/>
+          </a:xfrm>
+          <a:prstGeom prst="rect">
+            <a:avLst/>
+          </a:prstGeom>
+          <a:noFill/>
+        </p:spPr>
+        <p:txBody>
+          <a:bodyPr wrap="square" rtlCol="0">
+            <a:spAutoFit/>
+          </a:bodyPr>
+          <a:lstStyle/>
+          <a:p>
+            <a:r>
+              <a:rPr lang="zh-CN" altLang="en-US" sz="3200" b="1" i="1" dirty="0">
+                <a:solidFill>
+                  <a:schemeClr val="accent2">
+                    <a:lumMod val="75000"/>
+                  </a:schemeClr>
+                </a:solidFill>
+                <a:latin typeface="微软雅黑" panose="020B0503020204020204" pitchFamily="34" charset="-122"/>
+                <a:ea typeface="微软雅黑" panose="020B0503020204020204" pitchFamily="34" charset="-122"/>
+              </a:rPr>
+              <a:t>遇到了问题？</a:t>
+            </a:r>
+          </a:p>
+        </p:txBody>
+      </p:sp>
+      <p:sp>
+        <p:nvSpPr>
+          <p:cNvPr id="4" name="文本框 3">
+            <a:extLst>
+              <a:ext uri="{FF2B5EF4-FFF2-40B4-BE49-F238E27FC236}">
+                <a16:creationId xmlns:a16="http://schemas.microsoft.com/office/drawing/2014/main" id="{4328CDCF-210E-0D00-60CB-3A3ECF7ECEA1}"/>
+              </a:ext>
+            </a:extLst>
+          </p:cNvPr>
+          <p:cNvSpPr txBox="1"/>
+          <p:nvPr/>
+        </p:nvSpPr>
+        <p:spPr>
+          <a:xfrm>
+            <a:off x="948505" y="2399987"/>
+            <a:ext cx="4960989" cy="461665"/>
+          </a:xfrm>
+          <a:prstGeom prst="rect">
+            <a:avLst/>
+          </a:prstGeom>
+          <a:noFill/>
+        </p:spPr>
+        <p:txBody>
+          <a:bodyPr wrap="square">
+            <a:spAutoFit/>
+          </a:bodyPr>
+          <a:lstStyle/>
+          <a:p>
+            <a:pPr marL="0" indent="0">
+              <a:buNone/>
+            </a:pPr>
+            <a:r>
+              <a:rPr lang="en-US" altLang="zh-CN" sz="2400" b="1" dirty="0">
+                <a:solidFill>
+                  <a:schemeClr val="bg1">
+                    <a:lumMod val="65000"/>
+                  </a:schemeClr>
+                </a:solidFill>
+                <a:highlight>
+                  <a:srgbClr val="F0F0F0"/>
+                </a:highlight>
+                <a:latin typeface="Consolas" panose="020B0609020204030204" pitchFamily="49" charset="0"/>
+              </a:rPr>
+              <a:t>print("Hello Python world!")</a:t>
+            </a:r>
+          </a:p>
+        </p:txBody>
+      </p:sp>
     </p:spTree>
     <p:extLst>
       <p:ext uri="{BB962C8B-B14F-4D97-AF65-F5344CB8AC3E}">
@@ -19837,6 +20142,91 @@
       </p:grpSpPr>
       <p:sp>
         <p:nvSpPr>
+          <p:cNvPr id="2" name="标题 1">
+            <a:extLst>
+              <a:ext uri="{FF2B5EF4-FFF2-40B4-BE49-F238E27FC236}">
+                <a16:creationId xmlns:a16="http://schemas.microsoft.com/office/drawing/2014/main" id="{ABA783DF-49A6-7EF1-661E-C574E2C2F386}"/>
+              </a:ext>
+            </a:extLst>
+          </p:cNvPr>
+          <p:cNvSpPr>
+            <a:spLocks noGrp="1"/>
+          </p:cNvSpPr>
+          <p:nvPr>
+            <p:ph type="title"/>
+          </p:nvPr>
+        </p:nvSpPr>
+        <p:spPr/>
+        <p:txBody>
+          <a:bodyPr/>
+          <a:lstStyle/>
+          <a:p>
+            <a:r>
+              <a:rPr lang="en-US" altLang="zh-CN" dirty="0">
+                <a:effectLst>
+                  <a:outerShdw blurRad="38100" dist="38100" dir="2700000" algn="tl">
+                    <a:srgbClr val="000000">
+                      <a:alpha val="43137"/>
+                    </a:srgbClr>
+                  </a:outerShdw>
+                </a:effectLst>
+              </a:rPr>
+              <a:t>1.5 </a:t>
+            </a:r>
+            <a:r>
+              <a:rPr lang="zh-CN" altLang="en-US" dirty="0">
+                <a:effectLst>
+                  <a:outerShdw blurRad="38100" dist="38100" dir="2700000" algn="tl">
+                    <a:srgbClr val="000000">
+                      <a:alpha val="43137"/>
+                    </a:srgbClr>
+                  </a:outerShdw>
+                </a:effectLst>
+              </a:rPr>
+              <a:t>从终端运行 </a:t>
+            </a:r>
+            <a:r>
+              <a:rPr lang="en-US" altLang="zh-CN" dirty="0">
+                <a:effectLst>
+                  <a:outerShdw blurRad="38100" dist="38100" dir="2700000" algn="tl">
+                    <a:srgbClr val="000000">
+                      <a:alpha val="43137"/>
+                    </a:srgbClr>
+                  </a:outerShdw>
+                </a:effectLst>
+                <a:latin typeface="+mj-lt"/>
+              </a:rPr>
+              <a:t>Python</a:t>
+            </a:r>
+            <a:r>
+              <a:rPr lang="en-US" altLang="zh-CN" dirty="0">
+                <a:effectLst>
+                  <a:outerShdw blurRad="38100" dist="38100" dir="2700000" algn="tl">
+                    <a:srgbClr val="000000">
+                      <a:alpha val="43137"/>
+                    </a:srgbClr>
+                  </a:outerShdw>
+                </a:effectLst>
+              </a:rPr>
+              <a:t> </a:t>
+            </a:r>
+            <a:r>
+              <a:rPr lang="zh-CN" altLang="en-US" dirty="0">
+                <a:effectLst>
+                  <a:outerShdw blurRad="38100" dist="38100" dir="2700000" algn="tl">
+                    <a:srgbClr val="000000">
+                      <a:alpha val="43137"/>
+                    </a:srgbClr>
+                  </a:outerShdw>
+                </a:effectLst>
+              </a:rPr>
+              <a:t>程序</a:t>
+            </a:r>
+          </a:p>
+        </p:txBody>
+      </p:sp>
+      <p:sp>
+        <p:nvSpPr>
           <p:cNvPr id="5" name="内容占位符 4">
             <a:extLst>
               <a:ext uri="{FF2B5EF4-FFF2-40B4-BE49-F238E27FC236}">
@@ -19898,91 +20288,6 @@
                 <a:srgbClr val="FFFFFF"/>
               </a:highlight>
             </a:endParaRPr>
-          </a:p>
-        </p:txBody>
-      </p:sp>
-      <p:sp>
-        <p:nvSpPr>
-          <p:cNvPr id="2" name="标题 1">
-            <a:extLst>
-              <a:ext uri="{FF2B5EF4-FFF2-40B4-BE49-F238E27FC236}">
-                <a16:creationId xmlns:a16="http://schemas.microsoft.com/office/drawing/2014/main" id="{ABA783DF-49A6-7EF1-661E-C574E2C2F386}"/>
-              </a:ext>
-            </a:extLst>
-          </p:cNvPr>
-          <p:cNvSpPr>
-            <a:spLocks noGrp="1"/>
-          </p:cNvSpPr>
-          <p:nvPr>
-            <p:ph type="title"/>
-          </p:nvPr>
-        </p:nvSpPr>
-        <p:spPr/>
-        <p:txBody>
-          <a:bodyPr/>
-          <a:lstStyle/>
-          <a:p>
-            <a:r>
-              <a:rPr lang="en-US" altLang="zh-CN" dirty="0">
-                <a:effectLst>
-                  <a:outerShdw blurRad="38100" dist="38100" dir="2700000" algn="tl">
-                    <a:srgbClr val="000000">
-                      <a:alpha val="43137"/>
-                    </a:srgbClr>
-                  </a:outerShdw>
-                </a:effectLst>
-              </a:rPr>
-              <a:t>1.5 </a:t>
-            </a:r>
-            <a:r>
-              <a:rPr lang="zh-CN" altLang="en-US" dirty="0">
-                <a:effectLst>
-                  <a:outerShdw blurRad="38100" dist="38100" dir="2700000" algn="tl">
-                    <a:srgbClr val="000000">
-                      <a:alpha val="43137"/>
-                    </a:srgbClr>
-                  </a:outerShdw>
-                </a:effectLst>
-              </a:rPr>
-              <a:t>从终端运行 </a:t>
-            </a:r>
-            <a:r>
-              <a:rPr lang="en-US" altLang="zh-CN" dirty="0">
-                <a:effectLst>
-                  <a:outerShdw blurRad="38100" dist="38100" dir="2700000" algn="tl">
-                    <a:srgbClr val="000000">
-                      <a:alpha val="43137"/>
-                    </a:srgbClr>
-                  </a:outerShdw>
-                </a:effectLst>
-                <a:latin typeface="+mj-lt"/>
-              </a:rPr>
-              <a:t>Python</a:t>
-            </a:r>
-            <a:r>
-              <a:rPr lang="en-US" altLang="zh-CN" dirty="0">
-                <a:effectLst>
-                  <a:outerShdw blurRad="38100" dist="38100" dir="2700000" algn="tl">
-                    <a:srgbClr val="000000">
-                      <a:alpha val="43137"/>
-                    </a:srgbClr>
-                  </a:outerShdw>
-                </a:effectLst>
-              </a:rPr>
-              <a:t> </a:t>
-            </a:r>
-            <a:r>
-              <a:rPr lang="zh-CN" altLang="en-US" dirty="0">
-                <a:effectLst>
-                  <a:outerShdw blurRad="38100" dist="38100" dir="2700000" algn="tl">
-                    <a:srgbClr val="000000">
-                      <a:alpha val="43137"/>
-                    </a:srgbClr>
-                  </a:outerShdw>
-                </a:effectLst>
-              </a:rPr>
-              <a:t>程序</a:t>
-            </a:r>
           </a:p>
         </p:txBody>
       </p:sp>
@@ -20100,6 +20405,91 @@
       </p:grpSpPr>
       <p:sp>
         <p:nvSpPr>
+          <p:cNvPr id="2" name="标题 1">
+            <a:extLst>
+              <a:ext uri="{FF2B5EF4-FFF2-40B4-BE49-F238E27FC236}">
+                <a16:creationId xmlns:a16="http://schemas.microsoft.com/office/drawing/2014/main" id="{ABA783DF-49A6-7EF1-661E-C574E2C2F386}"/>
+              </a:ext>
+            </a:extLst>
+          </p:cNvPr>
+          <p:cNvSpPr>
+            <a:spLocks noGrp="1"/>
+          </p:cNvSpPr>
+          <p:nvPr>
+            <p:ph type="title"/>
+          </p:nvPr>
+        </p:nvSpPr>
+        <p:spPr/>
+        <p:txBody>
+          <a:bodyPr/>
+          <a:lstStyle/>
+          <a:p>
+            <a:r>
+              <a:rPr lang="en-US" altLang="zh-CN" dirty="0">
+                <a:effectLst>
+                  <a:outerShdw blurRad="38100" dist="38100" dir="2700000" algn="tl">
+                    <a:srgbClr val="000000">
+                      <a:alpha val="43137"/>
+                    </a:srgbClr>
+                  </a:outerShdw>
+                </a:effectLst>
+              </a:rPr>
+              <a:t>1.5 </a:t>
+            </a:r>
+            <a:r>
+              <a:rPr lang="zh-CN" altLang="en-US" dirty="0">
+                <a:effectLst>
+                  <a:outerShdw blurRad="38100" dist="38100" dir="2700000" algn="tl">
+                    <a:srgbClr val="000000">
+                      <a:alpha val="43137"/>
+                    </a:srgbClr>
+                  </a:outerShdw>
+                </a:effectLst>
+              </a:rPr>
+              <a:t>从终端运行 </a:t>
+            </a:r>
+            <a:r>
+              <a:rPr lang="en-US" altLang="zh-CN" dirty="0">
+                <a:effectLst>
+                  <a:outerShdw blurRad="38100" dist="38100" dir="2700000" algn="tl">
+                    <a:srgbClr val="000000">
+                      <a:alpha val="43137"/>
+                    </a:srgbClr>
+                  </a:outerShdw>
+                </a:effectLst>
+                <a:latin typeface="+mj-lt"/>
+              </a:rPr>
+              <a:t>Python</a:t>
+            </a:r>
+            <a:r>
+              <a:rPr lang="en-US" altLang="zh-CN" dirty="0">
+                <a:effectLst>
+                  <a:outerShdw blurRad="38100" dist="38100" dir="2700000" algn="tl">
+                    <a:srgbClr val="000000">
+                      <a:alpha val="43137"/>
+                    </a:srgbClr>
+                  </a:outerShdw>
+                </a:effectLst>
+              </a:rPr>
+              <a:t> </a:t>
+            </a:r>
+            <a:r>
+              <a:rPr lang="zh-CN" altLang="en-US" dirty="0">
+                <a:effectLst>
+                  <a:outerShdw blurRad="38100" dist="38100" dir="2700000" algn="tl">
+                    <a:srgbClr val="000000">
+                      <a:alpha val="43137"/>
+                    </a:srgbClr>
+                  </a:outerShdw>
+                </a:effectLst>
+              </a:rPr>
+              <a:t>程序</a:t>
+            </a:r>
+          </a:p>
+        </p:txBody>
+      </p:sp>
+      <p:sp>
+        <p:nvSpPr>
           <p:cNvPr id="5" name="内容占位符 4">
             <a:extLst>
               <a:ext uri="{FF2B5EF4-FFF2-40B4-BE49-F238E27FC236}">
@@ -20252,91 +20642,6 @@
                 <a:srgbClr val="FFFFFF"/>
               </a:highlight>
             </a:endParaRPr>
-          </a:p>
-        </p:txBody>
-      </p:sp>
-      <p:sp>
-        <p:nvSpPr>
-          <p:cNvPr id="2" name="标题 1">
-            <a:extLst>
-              <a:ext uri="{FF2B5EF4-FFF2-40B4-BE49-F238E27FC236}">
-                <a16:creationId xmlns:a16="http://schemas.microsoft.com/office/drawing/2014/main" id="{ABA783DF-49A6-7EF1-661E-C574E2C2F386}"/>
-              </a:ext>
-            </a:extLst>
-          </p:cNvPr>
-          <p:cNvSpPr>
-            <a:spLocks noGrp="1"/>
-          </p:cNvSpPr>
-          <p:nvPr>
-            <p:ph type="title"/>
-          </p:nvPr>
-        </p:nvSpPr>
-        <p:spPr/>
-        <p:txBody>
-          <a:bodyPr/>
-          <a:lstStyle/>
-          <a:p>
-            <a:r>
-              <a:rPr lang="en-US" altLang="zh-CN" dirty="0">
-                <a:effectLst>
-                  <a:outerShdw blurRad="38100" dist="38100" dir="2700000" algn="tl">
-                    <a:srgbClr val="000000">
-                      <a:alpha val="43137"/>
-                    </a:srgbClr>
-                  </a:outerShdw>
-                </a:effectLst>
-              </a:rPr>
-              <a:t>1.5 </a:t>
-            </a:r>
-            <a:r>
-              <a:rPr lang="zh-CN" altLang="en-US" dirty="0">
-                <a:effectLst>
-                  <a:outerShdw blurRad="38100" dist="38100" dir="2700000" algn="tl">
-                    <a:srgbClr val="000000">
-                      <a:alpha val="43137"/>
-                    </a:srgbClr>
-                  </a:outerShdw>
-                </a:effectLst>
-              </a:rPr>
-              <a:t>从终端运行 </a:t>
-            </a:r>
-            <a:r>
-              <a:rPr lang="en-US" altLang="zh-CN" dirty="0">
-                <a:effectLst>
-                  <a:outerShdw blurRad="38100" dist="38100" dir="2700000" algn="tl">
-                    <a:srgbClr val="000000">
-                      <a:alpha val="43137"/>
-                    </a:srgbClr>
-                  </a:outerShdw>
-                </a:effectLst>
-                <a:latin typeface="+mj-lt"/>
-              </a:rPr>
-              <a:t>Python</a:t>
-            </a:r>
-            <a:r>
-              <a:rPr lang="en-US" altLang="zh-CN" dirty="0">
-                <a:effectLst>
-                  <a:outerShdw blurRad="38100" dist="38100" dir="2700000" algn="tl">
-                    <a:srgbClr val="000000">
-                      <a:alpha val="43137"/>
-                    </a:srgbClr>
-                  </a:outerShdw>
-                </a:effectLst>
-              </a:rPr>
-              <a:t> </a:t>
-            </a:r>
-            <a:r>
-              <a:rPr lang="zh-CN" altLang="en-US" dirty="0">
-                <a:effectLst>
-                  <a:outerShdw blurRad="38100" dist="38100" dir="2700000" algn="tl">
-                    <a:srgbClr val="000000">
-                      <a:alpha val="43137"/>
-                    </a:srgbClr>
-                  </a:outerShdw>
-                </a:effectLst>
-              </a:rPr>
-              <a:t>程序</a:t>
-            </a:r>
           </a:p>
         </p:txBody>
       </p:sp>
@@ -20454,6 +20759,91 @@
       </p:grpSpPr>
       <p:sp>
         <p:nvSpPr>
+          <p:cNvPr id="2" name="标题 1">
+            <a:extLst>
+              <a:ext uri="{FF2B5EF4-FFF2-40B4-BE49-F238E27FC236}">
+                <a16:creationId xmlns:a16="http://schemas.microsoft.com/office/drawing/2014/main" id="{ABA783DF-49A6-7EF1-661E-C574E2C2F386}"/>
+              </a:ext>
+            </a:extLst>
+          </p:cNvPr>
+          <p:cNvSpPr>
+            <a:spLocks noGrp="1"/>
+          </p:cNvSpPr>
+          <p:nvPr>
+            <p:ph type="title"/>
+          </p:nvPr>
+        </p:nvSpPr>
+        <p:spPr/>
+        <p:txBody>
+          <a:bodyPr/>
+          <a:lstStyle/>
+          <a:p>
+            <a:r>
+              <a:rPr lang="en-US" altLang="zh-CN" dirty="0">
+                <a:effectLst>
+                  <a:outerShdw blurRad="38100" dist="38100" dir="2700000" algn="tl">
+                    <a:srgbClr val="000000">
+                      <a:alpha val="43137"/>
+                    </a:srgbClr>
+                  </a:outerShdw>
+                </a:effectLst>
+              </a:rPr>
+              <a:t>1.5 </a:t>
+            </a:r>
+            <a:r>
+              <a:rPr lang="zh-CN" altLang="en-US" dirty="0">
+                <a:effectLst>
+                  <a:outerShdw blurRad="38100" dist="38100" dir="2700000" algn="tl">
+                    <a:srgbClr val="000000">
+                      <a:alpha val="43137"/>
+                    </a:srgbClr>
+                  </a:outerShdw>
+                </a:effectLst>
+              </a:rPr>
+              <a:t>从终端运行 </a:t>
+            </a:r>
+            <a:r>
+              <a:rPr lang="en-US" altLang="zh-CN" dirty="0">
+                <a:effectLst>
+                  <a:outerShdw blurRad="38100" dist="38100" dir="2700000" algn="tl">
+                    <a:srgbClr val="000000">
+                      <a:alpha val="43137"/>
+                    </a:srgbClr>
+                  </a:outerShdw>
+                </a:effectLst>
+                <a:latin typeface="+mj-lt"/>
+              </a:rPr>
+              <a:t>Python</a:t>
+            </a:r>
+            <a:r>
+              <a:rPr lang="en-US" altLang="zh-CN" dirty="0">
+                <a:effectLst>
+                  <a:outerShdw blurRad="38100" dist="38100" dir="2700000" algn="tl">
+                    <a:srgbClr val="000000">
+                      <a:alpha val="43137"/>
+                    </a:srgbClr>
+                  </a:outerShdw>
+                </a:effectLst>
+              </a:rPr>
+              <a:t> </a:t>
+            </a:r>
+            <a:r>
+              <a:rPr lang="zh-CN" altLang="en-US" dirty="0">
+                <a:effectLst>
+                  <a:outerShdw blurRad="38100" dist="38100" dir="2700000" algn="tl">
+                    <a:srgbClr val="000000">
+                      <a:alpha val="43137"/>
+                    </a:srgbClr>
+                  </a:outerShdw>
+                </a:effectLst>
+              </a:rPr>
+              <a:t>程序</a:t>
+            </a:r>
+          </a:p>
+        </p:txBody>
+      </p:sp>
+      <p:sp>
+        <p:nvSpPr>
           <p:cNvPr id="5" name="内容占位符 4">
             <a:extLst>
               <a:ext uri="{FF2B5EF4-FFF2-40B4-BE49-F238E27FC236}">
@@ -20709,91 +21099,6 @@
               <a:t>）</a:t>
             </a:r>
             <a:endParaRPr lang="en-US" altLang="zh-CN" dirty="0"/>
-          </a:p>
-        </p:txBody>
-      </p:sp>
-      <p:sp>
-        <p:nvSpPr>
-          <p:cNvPr id="2" name="标题 1">
-            <a:extLst>
-              <a:ext uri="{FF2B5EF4-FFF2-40B4-BE49-F238E27FC236}">
-                <a16:creationId xmlns:a16="http://schemas.microsoft.com/office/drawing/2014/main" id="{ABA783DF-49A6-7EF1-661E-C574E2C2F386}"/>
-              </a:ext>
-            </a:extLst>
-          </p:cNvPr>
-          <p:cNvSpPr>
-            <a:spLocks noGrp="1"/>
-          </p:cNvSpPr>
-          <p:nvPr>
-            <p:ph type="title"/>
-          </p:nvPr>
-        </p:nvSpPr>
-        <p:spPr/>
-        <p:txBody>
-          <a:bodyPr/>
-          <a:lstStyle/>
-          <a:p>
-            <a:r>
-              <a:rPr lang="en-US" altLang="zh-CN" dirty="0">
-                <a:effectLst>
-                  <a:outerShdw blurRad="38100" dist="38100" dir="2700000" algn="tl">
-                    <a:srgbClr val="000000">
-                      <a:alpha val="43137"/>
-                    </a:srgbClr>
-                  </a:outerShdw>
-                </a:effectLst>
-              </a:rPr>
-              <a:t>1.5 </a:t>
-            </a:r>
-            <a:r>
-              <a:rPr lang="zh-CN" altLang="en-US" dirty="0">
-                <a:effectLst>
-                  <a:outerShdw blurRad="38100" dist="38100" dir="2700000" algn="tl">
-                    <a:srgbClr val="000000">
-                      <a:alpha val="43137"/>
-                    </a:srgbClr>
-                  </a:outerShdw>
-                </a:effectLst>
-              </a:rPr>
-              <a:t>从终端运行 </a:t>
-            </a:r>
-            <a:r>
-              <a:rPr lang="en-US" altLang="zh-CN" dirty="0">
-                <a:effectLst>
-                  <a:outerShdw blurRad="38100" dist="38100" dir="2700000" algn="tl">
-                    <a:srgbClr val="000000">
-                      <a:alpha val="43137"/>
-                    </a:srgbClr>
-                  </a:outerShdw>
-                </a:effectLst>
-                <a:latin typeface="+mj-lt"/>
-              </a:rPr>
-              <a:t>Python</a:t>
-            </a:r>
-            <a:r>
-              <a:rPr lang="en-US" altLang="zh-CN" dirty="0">
-                <a:effectLst>
-                  <a:outerShdw blurRad="38100" dist="38100" dir="2700000" algn="tl">
-                    <a:srgbClr val="000000">
-                      <a:alpha val="43137"/>
-                    </a:srgbClr>
-                  </a:outerShdw>
-                </a:effectLst>
-              </a:rPr>
-              <a:t> </a:t>
-            </a:r>
-            <a:r>
-              <a:rPr lang="zh-CN" altLang="en-US" dirty="0">
-                <a:effectLst>
-                  <a:outerShdw blurRad="38100" dist="38100" dir="2700000" algn="tl">
-                    <a:srgbClr val="000000">
-                      <a:alpha val="43137"/>
-                    </a:srgbClr>
-                  </a:outerShdw>
-                </a:effectLst>
-              </a:rPr>
-              <a:t>程序</a:t>
-            </a:r>
           </a:p>
         </p:txBody>
       </p:sp>
@@ -23755,7 +24060,7 @@
             <a:picLocks noGrp="1" noChangeAspect="1"/>
           </p:cNvPicPr>
           <p:nvPr>
-            <p:ph sz="half" idx="2"/>
+            <p:ph sz="half" idx="1"/>
           </p:nvPr>
         </p:nvPicPr>
         <p:blipFill>
@@ -23772,8 +24077,8 @@
         </p:blipFill>
         <p:spPr>
           <a:xfrm>
-            <a:off x="7148108" y="1681626"/>
-            <a:ext cx="3605577" cy="4807437"/>
+            <a:off x="1797249" y="1903413"/>
+            <a:ext cx="3263502" cy="4351337"/>
           </a:xfrm>
         </p:spPr>
       </p:pic>
@@ -25930,7 +26235,7 @@
 </file>
 
 <file path=ppt/theme/theme1.xml><?xml version="1.0" encoding="utf-8"?>
-<a:theme xmlns:a="http://schemas.openxmlformats.org/drawingml/2006/main" name="Office 主题​​">
+<a:theme xmlns:a="http://schemas.openxmlformats.org/drawingml/2006/main" name="3_Office 主题​​">
   <a:themeElements>
     <a:clrScheme name="Office">
       <a:dk1>
